--- a/conference_poster/casca2017_pbarmby.pptx
+++ b/conference_poster/casca2017_pbarmby.pptx
@@ -173,6 +173,10 @@
 </p:presentation>
 </file>
 
+<file path=ppt/revisionInfo.xml><?xml version="1.0" encoding="utf-8"?>
+<p1510:revInfo xmlns:a="http://schemas.openxmlformats.org/drawingml/2006/main" xmlns:r="http://schemas.openxmlformats.org/officeDocument/2006/relationships" xmlns:p1510="http://schemas.microsoft.com/office/powerpoint/2015/10/main"/>
+</file>
+
 <file path=ppt/handoutMasters/handoutMaster1.xml><?xml version="1.0" encoding="utf-8"?>
 <p:handoutMaster xmlns:a="http://schemas.openxmlformats.org/drawingml/2006/main" xmlns:r="http://schemas.openxmlformats.org/officeDocument/2006/relationships" xmlns:p="http://schemas.openxmlformats.org/presentationml/2006/main">
   <p:cSld>
@@ -1012,7 +1016,7 @@
           <a:lstStyle/>
           <a:p>
             <a:r>
-              <a:rPr lang="en-CA" smtClean="0"/>
+              <a:rPr lang="en-CA"/>
               <a:t>Click to edit Master title style</a:t>
             </a:r>
             <a:endParaRPr lang="en-US"/>
@@ -1077,7 +1081,7 @@
           </a:lstStyle>
           <a:p>
             <a:r>
-              <a:rPr lang="en-CA" smtClean="0"/>
+              <a:rPr lang="en-CA"/>
               <a:t>Click to edit Master subtitle style</a:t>
             </a:r>
             <a:endParaRPr lang="en-US"/>
@@ -1216,7 +1220,7 @@
           <a:lstStyle/>
           <a:p>
             <a:r>
-              <a:rPr lang="en-CA" smtClean="0"/>
+              <a:rPr lang="en-CA"/>
               <a:t>Click to edit Master title style</a:t>
             </a:r>
             <a:endParaRPr lang="en-US"/>
@@ -1240,35 +1244,35 @@
           <a:p>
             <a:pPr lvl="0"/>
             <a:r>
-              <a:rPr lang="en-CA" smtClean="0"/>
+              <a:rPr lang="en-CA"/>
               <a:t>Click to edit Master text styles</a:t>
             </a:r>
           </a:p>
           <a:p>
             <a:pPr lvl="1"/>
             <a:r>
-              <a:rPr lang="en-CA" smtClean="0"/>
+              <a:rPr lang="en-CA"/>
               <a:t>Second level</a:t>
             </a:r>
           </a:p>
           <a:p>
             <a:pPr lvl="2"/>
             <a:r>
-              <a:rPr lang="en-CA" smtClean="0"/>
+              <a:rPr lang="en-CA"/>
               <a:t>Third level</a:t>
             </a:r>
           </a:p>
           <a:p>
             <a:pPr lvl="3"/>
             <a:r>
-              <a:rPr lang="en-CA" smtClean="0"/>
+              <a:rPr lang="en-CA"/>
               <a:t>Fourth level</a:t>
             </a:r>
           </a:p>
           <a:p>
             <a:pPr lvl="4"/>
             <a:r>
-              <a:rPr lang="en-CA" smtClean="0"/>
+              <a:rPr lang="en-CA"/>
               <a:t>Fifth level</a:t>
             </a:r>
             <a:endParaRPr lang="en-US"/>
@@ -1412,7 +1416,7 @@
           <a:lstStyle/>
           <a:p>
             <a:r>
-              <a:rPr lang="en-CA" smtClean="0"/>
+              <a:rPr lang="en-CA"/>
               <a:t>Click to edit Master title style</a:t>
             </a:r>
             <a:endParaRPr lang="en-US"/>
@@ -1441,35 +1445,35 @@
           <a:p>
             <a:pPr lvl="0"/>
             <a:r>
-              <a:rPr lang="en-CA" smtClean="0"/>
+              <a:rPr lang="en-CA"/>
               <a:t>Click to edit Master text styles</a:t>
             </a:r>
           </a:p>
           <a:p>
             <a:pPr lvl="1"/>
             <a:r>
-              <a:rPr lang="en-CA" smtClean="0"/>
+              <a:rPr lang="en-CA"/>
               <a:t>Second level</a:t>
             </a:r>
           </a:p>
           <a:p>
             <a:pPr lvl="2"/>
             <a:r>
-              <a:rPr lang="en-CA" smtClean="0"/>
+              <a:rPr lang="en-CA"/>
               <a:t>Third level</a:t>
             </a:r>
           </a:p>
           <a:p>
             <a:pPr lvl="3"/>
             <a:r>
-              <a:rPr lang="en-CA" smtClean="0"/>
+              <a:rPr lang="en-CA"/>
               <a:t>Fourth level</a:t>
             </a:r>
           </a:p>
           <a:p>
             <a:pPr lvl="4"/>
             <a:r>
-              <a:rPr lang="en-CA" smtClean="0"/>
+              <a:rPr lang="en-CA"/>
               <a:t>Fifth level</a:t>
             </a:r>
             <a:endParaRPr lang="en-US"/>
@@ -1608,7 +1612,7 @@
           <a:lstStyle/>
           <a:p>
             <a:r>
-              <a:rPr lang="en-CA" smtClean="0"/>
+              <a:rPr lang="en-CA"/>
               <a:t>Click to edit Master title style</a:t>
             </a:r>
             <a:endParaRPr lang="en-US"/>
@@ -1632,35 +1636,35 @@
           <a:p>
             <a:pPr lvl="0"/>
             <a:r>
-              <a:rPr lang="en-CA" smtClean="0"/>
+              <a:rPr lang="en-CA"/>
               <a:t>Click to edit Master text styles</a:t>
             </a:r>
           </a:p>
           <a:p>
             <a:pPr lvl="1"/>
             <a:r>
-              <a:rPr lang="en-CA" smtClean="0"/>
+              <a:rPr lang="en-CA"/>
               <a:t>Second level</a:t>
             </a:r>
           </a:p>
           <a:p>
             <a:pPr lvl="2"/>
             <a:r>
-              <a:rPr lang="en-CA" smtClean="0"/>
+              <a:rPr lang="en-CA"/>
               <a:t>Third level</a:t>
             </a:r>
           </a:p>
           <a:p>
             <a:pPr lvl="3"/>
             <a:r>
-              <a:rPr lang="en-CA" smtClean="0"/>
+              <a:rPr lang="en-CA"/>
               <a:t>Fourth level</a:t>
             </a:r>
           </a:p>
           <a:p>
             <a:pPr lvl="4"/>
             <a:r>
-              <a:rPr lang="en-CA" smtClean="0"/>
+              <a:rPr lang="en-CA"/>
               <a:t>Fifth level</a:t>
             </a:r>
             <a:endParaRPr lang="en-US"/>
@@ -1808,7 +1812,7 @@
           </a:lstStyle>
           <a:p>
             <a:r>
-              <a:rPr lang="en-CA" smtClean="0"/>
+              <a:rPr lang="en-CA"/>
               <a:t>Click to edit Master title style</a:t>
             </a:r>
             <a:endParaRPr lang="en-US"/>
@@ -1874,7 +1878,7 @@
           <a:p>
             <a:pPr lvl="0"/>
             <a:r>
-              <a:rPr lang="en-CA" smtClean="0"/>
+              <a:rPr lang="en-CA"/>
               <a:t>Click to edit Master text styles</a:t>
             </a:r>
           </a:p>
@@ -2012,7 +2016,7 @@
           <a:lstStyle/>
           <a:p>
             <a:r>
-              <a:rPr lang="en-CA" smtClean="0"/>
+              <a:rPr lang="en-CA"/>
               <a:t>Click to edit Master title style</a:t>
             </a:r>
             <a:endParaRPr lang="en-US"/>
@@ -2069,35 +2073,35 @@
           <a:p>
             <a:pPr lvl="0"/>
             <a:r>
-              <a:rPr lang="en-CA" smtClean="0"/>
+              <a:rPr lang="en-CA"/>
               <a:t>Click to edit Master text styles</a:t>
             </a:r>
           </a:p>
           <a:p>
             <a:pPr lvl="1"/>
             <a:r>
-              <a:rPr lang="en-CA" smtClean="0"/>
+              <a:rPr lang="en-CA"/>
               <a:t>Second level</a:t>
             </a:r>
           </a:p>
           <a:p>
             <a:pPr lvl="2"/>
             <a:r>
-              <a:rPr lang="en-CA" smtClean="0"/>
+              <a:rPr lang="en-CA"/>
               <a:t>Third level</a:t>
             </a:r>
           </a:p>
           <a:p>
             <a:pPr lvl="3"/>
             <a:r>
-              <a:rPr lang="en-CA" smtClean="0"/>
+              <a:rPr lang="en-CA"/>
               <a:t>Fourth level</a:t>
             </a:r>
           </a:p>
           <a:p>
             <a:pPr lvl="4"/>
             <a:r>
-              <a:rPr lang="en-CA" smtClean="0"/>
+              <a:rPr lang="en-CA"/>
               <a:t>Fifth level</a:t>
             </a:r>
             <a:endParaRPr lang="en-US"/>
@@ -2154,35 +2158,35 @@
           <a:p>
             <a:pPr lvl="0"/>
             <a:r>
-              <a:rPr lang="en-CA" smtClean="0"/>
+              <a:rPr lang="en-CA"/>
               <a:t>Click to edit Master text styles</a:t>
             </a:r>
           </a:p>
           <a:p>
             <a:pPr lvl="1"/>
             <a:r>
-              <a:rPr lang="en-CA" smtClean="0"/>
+              <a:rPr lang="en-CA"/>
               <a:t>Second level</a:t>
             </a:r>
           </a:p>
           <a:p>
             <a:pPr lvl="2"/>
             <a:r>
-              <a:rPr lang="en-CA" smtClean="0"/>
+              <a:rPr lang="en-CA"/>
               <a:t>Third level</a:t>
             </a:r>
           </a:p>
           <a:p>
             <a:pPr lvl="3"/>
             <a:r>
-              <a:rPr lang="en-CA" smtClean="0"/>
+              <a:rPr lang="en-CA"/>
               <a:t>Fourth level</a:t>
             </a:r>
           </a:p>
           <a:p>
             <a:pPr lvl="4"/>
             <a:r>
-              <a:rPr lang="en-CA" smtClean="0"/>
+              <a:rPr lang="en-CA"/>
               <a:t>Fifth level</a:t>
             </a:r>
             <a:endParaRPr lang="en-US"/>
@@ -2330,7 +2334,7 @@
           </a:lstStyle>
           <a:p>
             <a:r>
-              <a:rPr lang="en-CA" smtClean="0"/>
+              <a:rPr lang="en-CA"/>
               <a:t>Click to edit Master title style</a:t>
             </a:r>
             <a:endParaRPr lang="en-US"/>
@@ -2396,7 +2400,7 @@
           <a:p>
             <a:pPr lvl="0"/>
             <a:r>
-              <a:rPr lang="en-CA" smtClean="0"/>
+              <a:rPr lang="en-CA"/>
               <a:t>Click to edit Master text styles</a:t>
             </a:r>
           </a:p>
@@ -2452,35 +2456,35 @@
           <a:p>
             <a:pPr lvl="0"/>
             <a:r>
-              <a:rPr lang="en-CA" smtClean="0"/>
+              <a:rPr lang="en-CA"/>
               <a:t>Click to edit Master text styles</a:t>
             </a:r>
           </a:p>
           <a:p>
             <a:pPr lvl="1"/>
             <a:r>
-              <a:rPr lang="en-CA" smtClean="0"/>
+              <a:rPr lang="en-CA"/>
               <a:t>Second level</a:t>
             </a:r>
           </a:p>
           <a:p>
             <a:pPr lvl="2"/>
             <a:r>
-              <a:rPr lang="en-CA" smtClean="0"/>
+              <a:rPr lang="en-CA"/>
               <a:t>Third level</a:t>
             </a:r>
           </a:p>
           <a:p>
             <a:pPr lvl="3"/>
             <a:r>
-              <a:rPr lang="en-CA" smtClean="0"/>
+              <a:rPr lang="en-CA"/>
               <a:t>Fourth level</a:t>
             </a:r>
           </a:p>
           <a:p>
             <a:pPr lvl="4"/>
             <a:r>
-              <a:rPr lang="en-CA" smtClean="0"/>
+              <a:rPr lang="en-CA"/>
               <a:t>Fifth level</a:t>
             </a:r>
             <a:endParaRPr lang="en-US"/>
@@ -2546,7 +2550,7 @@
           <a:p>
             <a:pPr lvl="0"/>
             <a:r>
-              <a:rPr lang="en-CA" smtClean="0"/>
+              <a:rPr lang="en-CA"/>
               <a:t>Click to edit Master text styles</a:t>
             </a:r>
           </a:p>
@@ -2602,35 +2606,35 @@
           <a:p>
             <a:pPr lvl="0"/>
             <a:r>
-              <a:rPr lang="en-CA" smtClean="0"/>
+              <a:rPr lang="en-CA"/>
               <a:t>Click to edit Master text styles</a:t>
             </a:r>
           </a:p>
           <a:p>
             <a:pPr lvl="1"/>
             <a:r>
-              <a:rPr lang="en-CA" smtClean="0"/>
+              <a:rPr lang="en-CA"/>
               <a:t>Second level</a:t>
             </a:r>
           </a:p>
           <a:p>
             <a:pPr lvl="2"/>
             <a:r>
-              <a:rPr lang="en-CA" smtClean="0"/>
+              <a:rPr lang="en-CA"/>
               <a:t>Third level</a:t>
             </a:r>
           </a:p>
           <a:p>
             <a:pPr lvl="3"/>
             <a:r>
-              <a:rPr lang="en-CA" smtClean="0"/>
+              <a:rPr lang="en-CA"/>
               <a:t>Fourth level</a:t>
             </a:r>
           </a:p>
           <a:p>
             <a:pPr lvl="4"/>
             <a:r>
-              <a:rPr lang="en-CA" smtClean="0"/>
+              <a:rPr lang="en-CA"/>
               <a:t>Fifth level</a:t>
             </a:r>
             <a:endParaRPr lang="en-US"/>
@@ -2769,7 +2773,7 @@
           <a:lstStyle/>
           <a:p>
             <a:r>
-              <a:rPr lang="en-CA" smtClean="0"/>
+              <a:rPr lang="en-CA"/>
               <a:t>Click to edit Master title style</a:t>
             </a:r>
             <a:endParaRPr lang="en-US"/>
@@ -3033,7 +3037,7 @@
           </a:lstStyle>
           <a:p>
             <a:r>
-              <a:rPr lang="en-CA" smtClean="0"/>
+              <a:rPr lang="en-CA"/>
               <a:t>Click to edit Master title style</a:t>
             </a:r>
             <a:endParaRPr lang="en-US"/>
@@ -3090,35 +3094,35 @@
           <a:p>
             <a:pPr lvl="0"/>
             <a:r>
-              <a:rPr lang="en-CA" smtClean="0"/>
+              <a:rPr lang="en-CA"/>
               <a:t>Click to edit Master text styles</a:t>
             </a:r>
           </a:p>
           <a:p>
             <a:pPr lvl="1"/>
             <a:r>
-              <a:rPr lang="en-CA" smtClean="0"/>
+              <a:rPr lang="en-CA"/>
               <a:t>Second level</a:t>
             </a:r>
           </a:p>
           <a:p>
             <a:pPr lvl="2"/>
             <a:r>
-              <a:rPr lang="en-CA" smtClean="0"/>
+              <a:rPr lang="en-CA"/>
               <a:t>Third level</a:t>
             </a:r>
           </a:p>
           <a:p>
             <a:pPr lvl="3"/>
             <a:r>
-              <a:rPr lang="en-CA" smtClean="0"/>
+              <a:rPr lang="en-CA"/>
               <a:t>Fourth level</a:t>
             </a:r>
           </a:p>
           <a:p>
             <a:pPr lvl="4"/>
             <a:r>
-              <a:rPr lang="en-CA" smtClean="0"/>
+              <a:rPr lang="en-CA"/>
               <a:t>Fifth level</a:t>
             </a:r>
             <a:endParaRPr lang="en-US"/>
@@ -3184,7 +3188,7 @@
           <a:p>
             <a:pPr lvl="0"/>
             <a:r>
-              <a:rPr lang="en-CA" smtClean="0"/>
+              <a:rPr lang="en-CA"/>
               <a:t>Click to edit Master text styles</a:t>
             </a:r>
           </a:p>
@@ -3331,7 +3335,7 @@
           </a:lstStyle>
           <a:p>
             <a:r>
-              <a:rPr lang="en-CA" smtClean="0"/>
+              <a:rPr lang="en-CA"/>
               <a:t>Click to edit Master title style</a:t>
             </a:r>
             <a:endParaRPr lang="en-US"/>
@@ -3396,7 +3400,7 @@
           </a:lstStyle>
           <a:p>
             <a:pPr lvl="0"/>
-            <a:endParaRPr lang="en-US" noProof="0" smtClean="0"/>
+            <a:endParaRPr lang="en-US" noProof="0"/>
           </a:p>
         </p:txBody>
       </p:sp>
@@ -3459,7 +3463,7 @@
           <a:p>
             <a:pPr lvl="0"/>
             <a:r>
-              <a:rPr lang="en-CA" smtClean="0"/>
+              <a:rPr lang="en-CA"/>
               <a:t>Click to edit Master text styles</a:t>
             </a:r>
           </a:p>
@@ -4287,6 +4291,35 @@
           <a:chExt cx="0" cy="0"/>
         </a:xfrm>
       </p:grpSpPr>
+      <p:pic>
+        <p:nvPicPr>
+          <p:cNvPr id="15361" name="Picture 15360"/>
+          <p:cNvPicPr>
+            <a:picLocks noChangeAspect="1"/>
+          </p:cNvPicPr>
+          <p:nvPr/>
+        </p:nvPicPr>
+        <p:blipFill rotWithShape="1">
+          <a:blip r:embed="rId3">
+            <a:extLst>
+              <a:ext uri="{28A0092B-C50C-407E-A947-70E740481C1C}">
+                <a14:useLocalDpi xmlns:a14="http://schemas.microsoft.com/office/drawing/2010/main" val="0"/>
+              </a:ext>
+            </a:extLst>
+          </a:blip>
+          <a:srcRect t="5188" r="6395" b="253"/>
+          <a:stretch/>
+        </p:blipFill>
+        <p:spPr>
+          <a:xfrm>
+            <a:off x="20974088" y="35118367"/>
+            <a:ext cx="9048712" cy="6093928"/>
+          </a:xfrm>
+          <a:prstGeom prst="rect">
+            <a:avLst/>
+          </a:prstGeom>
+        </p:spPr>
+      </p:pic>
       <p:sp>
         <p:nvSpPr>
           <p:cNvPr id="15362" name="Rectangle 2"/>
@@ -4309,54 +4342,36 @@
           <a:p>
             <a:r>
               <a:rPr lang="en-US" sz="10900" dirty="0"/>
-              <a:t>Deconstructing </a:t>
-            </a:r>
-            <a:r>
-              <a:rPr lang="en-US" sz="10900" dirty="0" smtClean="0"/>
-              <a:t>M83:</a:t>
-            </a:r>
-            <a:r>
-              <a:rPr lang="en-US" sz="10900" dirty="0" smtClean="0">
+              <a:t>Deconstructing M83:</a:t>
+            </a:r>
+            <a:r>
+              <a:rPr lang="en-US" sz="10900" dirty="0">
                 <a:ea typeface="ＭＳ Ｐゴシック" charset="-128"/>
                 <a:cs typeface="ＭＳ Ｐゴシック" charset="-128"/>
               </a:rPr>
               <a:t/>
             </a:r>
             <a:br>
-              <a:rPr lang="en-US" sz="10900" dirty="0" smtClean="0">
+              <a:rPr lang="en-US" sz="10900" dirty="0">
                 <a:ea typeface="ＭＳ Ｐゴシック" charset="-128"/>
                 <a:cs typeface="ＭＳ Ｐゴシック" charset="-128"/>
               </a:rPr>
             </a:br>
             <a:r>
-              <a:rPr lang="en-US" sz="9100" dirty="0" err="1" smtClean="0">
+              <a:rPr lang="en-US" sz="9100" dirty="0" err="1">
                 <a:ea typeface="ＭＳ Ｐゴシック" charset="-128"/>
                 <a:cs typeface="ＭＳ Ｐゴシック" charset="-128"/>
               </a:rPr>
               <a:t>colours</a:t>
             </a:r>
             <a:r>
-              <a:rPr lang="en-US" sz="9100" dirty="0" smtClean="0">
-                <a:ea typeface="ＭＳ Ｐゴシック" charset="-128"/>
-                <a:cs typeface="ＭＳ Ｐゴシック" charset="-128"/>
-              </a:rPr>
-              <a:t> </a:t>
-            </a:r>
-            <a:r>
               <a:rPr lang="en-US" sz="9100" dirty="0">
                 <a:ea typeface="ＭＳ Ｐゴシック" charset="-128"/>
                 <a:cs typeface="ＭＳ Ｐゴシック" charset="-128"/>
               </a:rPr>
-              <a:t>of point sources in </a:t>
-            </a:r>
-            <a:r>
-              <a:rPr lang="en-US" sz="9100" dirty="0" smtClean="0">
-                <a:ea typeface="ＭＳ Ｐゴシック" charset="-128"/>
-                <a:cs typeface="ＭＳ Ｐゴシック" charset="-128"/>
-              </a:rPr>
-              <a:t>a nearby galaxy</a:t>
-            </a:r>
-            <a:endParaRPr lang="en-US" sz="15900" dirty="0" smtClean="0">
+              <a:t> of point sources in a nearby galaxy</a:t>
+            </a:r>
+            <a:endParaRPr lang="en-US" sz="15900" dirty="0">
               <a:ea typeface="ＭＳ Ｐゴシック" charset="-128"/>
               <a:cs typeface="ＭＳ Ｐゴシック" charset="-128"/>
             </a:endParaRPr>
@@ -4391,7 +4406,7 @@
               <a:buAutoNum type="alphaUcPeriod"/>
             </a:pPr>
             <a:r>
-              <a:rPr lang="en-US" sz="6000" b="1" dirty="0" err="1" smtClean="0">
+              <a:rPr lang="en-US" sz="6000" b="1" dirty="0" err="1">
                 <a:solidFill>
                   <a:srgbClr val="521B93"/>
                 </a:solidFill>
@@ -4401,7 +4416,7 @@
               <a:t>Kiar</a:t>
             </a:r>
             <a:r>
-              <a:rPr lang="en-US" sz="6000" b="1" dirty="0" smtClean="0">
+              <a:rPr lang="en-US" sz="6000" b="1" dirty="0">
                 <a:solidFill>
                   <a:srgbClr val="521B93"/>
                 </a:solidFill>
@@ -4411,26 +4426,16 @@
               <a:t> &amp; P. Barmby, </a:t>
             </a:r>
             <a:r>
-              <a:rPr lang="en-US" sz="4400" b="1" dirty="0" smtClean="0">
+              <a:rPr lang="en-US" sz="4400" b="1" dirty="0">
                 <a:solidFill>
                   <a:srgbClr val="521B93"/>
                 </a:solidFill>
                 <a:ea typeface="ＭＳ Ｐゴシック" charset="-128"/>
                 <a:cs typeface="ＭＳ Ｐゴシック" charset="-128"/>
               </a:rPr>
-              <a:t>The </a:t>
-            </a:r>
-            <a:r>
-              <a:rPr lang="en-US" sz="4400" b="1" dirty="0" smtClean="0">
-                <a:solidFill>
-                  <a:srgbClr val="521B93"/>
-                </a:solidFill>
-                <a:ea typeface="ＭＳ Ｐゴシック" charset="-128"/>
-                <a:cs typeface="ＭＳ Ｐゴシック" charset="-128"/>
-              </a:rPr>
-              <a:t>University of Western Ontario </a:t>
-            </a:r>
-            <a:endParaRPr lang="en-US" sz="3600" dirty="0" smtClean="0">
+              <a:t>The University of Western Ontario </a:t>
+            </a:r>
+            <a:endParaRPr lang="en-US" sz="3600" dirty="0">
               <a:solidFill>
                 <a:srgbClr val="521B93"/>
               </a:solidFill>
@@ -4450,7 +4455,7 @@
         </p:nvSpPr>
         <p:spPr bwMode="auto">
           <a:xfrm>
-            <a:off x="2199902" y="6863613"/>
+            <a:off x="2276475" y="7497187"/>
             <a:ext cx="14944725" cy="6740307"/>
           </a:xfrm>
           <a:prstGeom prst="rect">
@@ -4493,15 +4498,7 @@
             </a:pPr>
             <a:r>
               <a:rPr lang="en-US" sz="3200" dirty="0"/>
-              <a:t>Thousands of individual sources are detected in multi-band imaging observations of even a fraction of a nearby galaxy. This work analyzes a ten-band photometric catalog of nearly </a:t>
-            </a:r>
-            <a:r>
-              <a:rPr lang="en-US" sz="3200" dirty="0" smtClean="0"/>
-              <a:t>70 000 </a:t>
-            </a:r>
-            <a:r>
-              <a:rPr lang="en-US" sz="3200" dirty="0"/>
-              <a:t>point sources in Messier 83, made as part of the Early Release Science program with HST's WFC3. Two and three dimensional </a:t>
+              <a:t>Thousands of individual sources are detected in multi-band imaging observations of even a fraction of a nearby galaxy. This work analyzes a ten-band photometric catalog of nearly 70 000 point sources in Messier 83, made as part of the Early Release Science program with HST's WFC3. Two and three dimensional </a:t>
             </a:r>
             <a:r>
               <a:rPr lang="en-US" sz="3200" dirty="0" err="1"/>
@@ -4573,11 +4570,11 @@
           <a:lstStyle/>
           <a:p>
             <a:r>
-              <a:rPr lang="en-US" sz="2800" dirty="0" smtClean="0"/>
+              <a:rPr lang="en-US" sz="2800" dirty="0"/>
               <a:t>@</a:t>
             </a:r>
             <a:r>
-              <a:rPr lang="en-US" sz="2800" dirty="0" err="1" smtClean="0"/>
+              <a:rPr lang="en-US" sz="2800" dirty="0" err="1"/>
               <a:t>PBarmby</a:t>
             </a:r>
             <a:endParaRPr lang="en-US" sz="2800" dirty="0"/>
@@ -4594,8 +4591,8 @@
         </p:nvSpPr>
         <p:spPr bwMode="auto">
           <a:xfrm>
-            <a:off x="7924799" y="15942989"/>
-            <a:ext cx="9753600" cy="4154984"/>
+            <a:off x="16098469" y="17016710"/>
+            <a:ext cx="7871682" cy="4154984"/>
           </a:xfrm>
           <a:prstGeom prst="rect">
             <a:avLst/>
@@ -4609,7 +4606,7 @@
           </a:ln>
         </p:spPr>
         <p:txBody>
-          <a:bodyPr>
+          <a:bodyPr wrap="square">
             <a:prstTxWarp prst="textNoShape">
               <a:avLst/>
             </a:prstTxWarp>
@@ -4623,18 +4620,13 @@
               </a:spcBef>
             </a:pPr>
             <a:r>
-              <a:rPr lang="en-US" b="1" dirty="0" smtClean="0">
+              <a:rPr lang="en-US" b="1" dirty="0">
                 <a:solidFill>
                   <a:srgbClr val="FF0000"/>
                 </a:solidFill>
               </a:rPr>
               <a:t>Dataset</a:t>
             </a:r>
-            <a:endParaRPr lang="en-US" b="1" dirty="0">
-              <a:solidFill>
-                <a:srgbClr val="FF0000"/>
-              </a:solidFill>
-            </a:endParaRPr>
           </a:p>
           <a:p>
             <a:pPr>
@@ -4643,15 +4635,15 @@
               </a:spcBef>
             </a:pPr>
             <a:r>
-              <a:rPr lang="en-US" sz="3200" dirty="0" smtClean="0"/>
+              <a:rPr lang="en-US" sz="3200" dirty="0"/>
               <a:t>Catalog from </a:t>
             </a:r>
             <a:r>
-              <a:rPr lang="en-US" sz="3200" dirty="0" err="1" smtClean="0"/>
+              <a:rPr lang="en-US" sz="3200" dirty="0" err="1"/>
               <a:t>Chandar</a:t>
             </a:r>
             <a:r>
-              <a:rPr lang="en-US" sz="3200" dirty="0" smtClean="0"/>
+              <a:rPr lang="en-US" sz="3200" dirty="0"/>
               <a:t> et al. (2010)</a:t>
             </a:r>
           </a:p>
@@ -4662,14 +4654,14 @@
               </a:spcBef>
             </a:pPr>
             <a:r>
-              <a:rPr lang="en-US" sz="3200" dirty="0" smtClean="0"/>
+              <a:rPr lang="en-US" sz="3200" dirty="0"/>
               <a:t>1 WFC3 UVIS field: 162 x 162 </a:t>
             </a:r>
             <a:r>
-              <a:rPr lang="en-US" sz="3200" dirty="0" err="1" smtClean="0"/>
+              <a:rPr lang="en-US" sz="3200" dirty="0" err="1"/>
               <a:t>arcsec</a:t>
             </a:r>
-            <a:endParaRPr lang="en-US" sz="3200" dirty="0" smtClean="0"/>
+            <a:endParaRPr lang="en-US" sz="3200" dirty="0"/>
           </a:p>
           <a:p>
             <a:pPr>
@@ -4678,7 +4670,7 @@
               </a:spcBef>
             </a:pPr>
             <a:r>
-              <a:rPr lang="en-US" sz="3200" dirty="0" smtClean="0"/>
+              <a:rPr lang="en-US" sz="3200" dirty="0"/>
               <a:t>Observed in 10 filters (see Table)</a:t>
             </a:r>
           </a:p>
@@ -4689,18 +4681,17 @@
               </a:spcBef>
             </a:pPr>
             <a:r>
-              <a:rPr lang="en-US" sz="3200" dirty="0" smtClean="0"/>
+              <a:rPr lang="en-US" sz="3200" dirty="0"/>
               <a:t>Source detection on UBVI “</a:t>
             </a:r>
             <a:r>
-              <a:rPr lang="en-US" sz="3200" dirty="0" err="1" smtClean="0"/>
+              <a:rPr lang="en-US" sz="3200" dirty="0" err="1"/>
               <a:t>whitelight</a:t>
             </a:r>
             <a:r>
-              <a:rPr lang="en-US" sz="3200" dirty="0" smtClean="0"/>
+              <a:rPr lang="en-US" sz="3200" dirty="0"/>
               <a:t>” image, photometry in individual bands</a:t>
             </a:r>
-            <a:endParaRPr lang="en-US" sz="3200" dirty="0"/>
           </a:p>
         </p:txBody>
       </p:sp>
@@ -4714,7 +4705,7 @@
         </p:nvSpPr>
         <p:spPr bwMode="auto">
           <a:xfrm>
-            <a:off x="2199902" y="41669494"/>
+            <a:off x="2199902" y="40983694"/>
             <a:ext cx="10030376" cy="1323439"/>
           </a:xfrm>
           <a:prstGeom prst="rect">
@@ -4741,20 +4732,15 @@
               <a:rPr lang="en-US" sz="3200" b="1" dirty="0"/>
               <a:t>References: </a:t>
             </a:r>
-            <a:endParaRPr lang="en-US" sz="3200" b="1" dirty="0" smtClean="0"/>
-          </a:p>
-          <a:p>
-            <a:r>
-              <a:rPr lang="en-US" sz="2400" dirty="0" err="1" smtClean="0"/>
+          </a:p>
+          <a:p>
+            <a:r>
+              <a:rPr lang="en-US" sz="2400" dirty="0" err="1"/>
               <a:t>Chandar</a:t>
             </a:r>
             <a:r>
-              <a:rPr lang="en-US" sz="2400" dirty="0" smtClean="0"/>
-              <a:t> </a:t>
-            </a:r>
-            <a:r>
               <a:rPr lang="en-US" sz="2400" dirty="0"/>
-              <a:t>R., Whitmore B. C., Kim H., et al., 2010, </a:t>
+              <a:t> R., Whitmore B. C., Kim H., et al., 2010, </a:t>
             </a:r>
             <a:r>
               <a:rPr lang="en-US" sz="2400" dirty="0" err="1"/>
@@ -4762,11 +4748,7 @@
             </a:r>
             <a:r>
               <a:rPr lang="en-US" sz="2400" dirty="0"/>
-              <a:t>, 719, </a:t>
-            </a:r>
-            <a:r>
-              <a:rPr lang="en-US" sz="2400" dirty="0" smtClean="0"/>
-              <a:t>966</a:t>
+              <a:t>, 719, 966</a:t>
             </a:r>
           </a:p>
           <a:p>
@@ -4782,7 +4764,6 @@
               <a:rPr lang="en-US" sz="2400" dirty="0"/>
               <a:t>, 699, 486 </a:t>
             </a:r>
-            <a:endParaRPr lang="en-US" sz="2400" dirty="0"/>
           </a:p>
         </p:txBody>
       </p:sp>
@@ -4794,8 +4775,8 @@
         </p:nvSpPr>
         <p:spPr>
           <a:xfrm>
-            <a:off x="18334824" y="42193978"/>
-            <a:ext cx="11887200" cy="830997"/>
+            <a:off x="18334824" y="41508178"/>
+            <a:ext cx="11992776" cy="830997"/>
           </a:xfrm>
           <a:prstGeom prst="rect">
             <a:avLst/>
@@ -4814,12 +4795,20 @@
               <a:defRPr/>
             </a:pPr>
             <a:r>
+              <a:rPr lang="en-US" sz="2400" dirty="0">
+                <a:latin typeface="Tahoma" pitchFamily="-109" charset="0"/>
+                <a:ea typeface="ＭＳ Ｐゴシック" pitchFamily="-109" charset="-128"/>
+                <a:cs typeface="ＭＳ Ｐゴシック" pitchFamily="-109" charset="-128"/>
+              </a:rPr>
+              <a:t>We acknowledge financial support from NSERC and the efforts of the WFC3 SOC in conducting the ERS program. This research has </a:t>
+            </a:r>
+            <a:r>
               <a:rPr lang="en-US" sz="2400" dirty="0" smtClean="0">
                 <a:latin typeface="Tahoma" pitchFamily="-109" charset="0"/>
                 <a:ea typeface="ＭＳ Ｐゴシック" pitchFamily="-109" charset="-128"/>
                 <a:cs typeface="ＭＳ Ｐゴシック" pitchFamily="-109" charset="-128"/>
               </a:rPr>
-              <a:t>We </a:t>
+              <a:t>used NED, SIMBAD</a:t>
             </a:r>
             <a:r>
               <a:rPr lang="en-US" sz="2400" dirty="0" smtClean="0">
@@ -4827,15 +4816,15 @@
                 <a:ea typeface="ＭＳ Ｐゴシック" pitchFamily="-109" charset="-128"/>
                 <a:cs typeface="ＭＳ Ｐゴシック" pitchFamily="-109" charset="-128"/>
               </a:rPr>
-              <a:t>acknowledge </a:t>
-            </a:r>
-            <a:r>
-              <a:rPr lang="en-US" sz="2400" dirty="0">
+              <a:t>, </a:t>
+            </a:r>
+            <a:r>
+              <a:rPr lang="en-US" sz="2400" dirty="0" err="1" smtClean="0">
                 <a:latin typeface="Tahoma" pitchFamily="-109" charset="0"/>
                 <a:ea typeface="ＭＳ Ｐゴシック" pitchFamily="-109" charset="-128"/>
                 <a:cs typeface="ＭＳ Ｐゴシック" pitchFamily="-109" charset="-128"/>
               </a:rPr>
-              <a:t>financial support from </a:t>
+              <a:t>Scipy</a:t>
             </a:r>
             <a:r>
               <a:rPr lang="en-US" sz="2400" dirty="0" smtClean="0">
@@ -4843,39 +4832,23 @@
                 <a:ea typeface="ＭＳ Ｐゴシック" pitchFamily="-109" charset="-128"/>
                 <a:cs typeface="ＭＳ Ｐゴシック" pitchFamily="-109" charset="-128"/>
               </a:rPr>
-              <a:t>NSERC and </a:t>
-            </a:r>
-            <a:r>
-              <a:rPr lang="en-US" sz="2400" dirty="0">
+              <a:t> and </a:t>
+            </a:r>
+            <a:r>
+              <a:rPr lang="en-US" sz="2400" dirty="0" err="1" smtClean="0">
                 <a:latin typeface="Tahoma" pitchFamily="-109" charset="0"/>
                 <a:ea typeface="ＭＳ Ｐゴシック" pitchFamily="-109" charset="-128"/>
                 <a:cs typeface="ＭＳ Ｐゴシック" pitchFamily="-109" charset="-128"/>
               </a:rPr>
-              <a:t>the efforts of the WFC3 SOC in conducting the ERS </a:t>
-            </a:r>
-            <a:r>
-              <a:rPr lang="en-US" sz="2400" dirty="0" smtClean="0">
+              <a:t>Astropy</a:t>
+            </a:r>
+            <a:r>
+              <a:rPr lang="en-US" sz="2400" smtClean="0">
                 <a:latin typeface="Tahoma" pitchFamily="-109" charset="0"/>
                 <a:ea typeface="ＭＳ Ｐゴシック" pitchFamily="-109" charset="-128"/>
                 <a:cs typeface="ＭＳ Ｐゴシック" pitchFamily="-109" charset="-128"/>
               </a:rPr>
-              <a:t>program. This </a:t>
-            </a:r>
-            <a:r>
-              <a:rPr lang="en-US" sz="2400" dirty="0">
-                <a:latin typeface="Tahoma" pitchFamily="-109" charset="0"/>
-                <a:ea typeface="ＭＳ Ｐゴシック" pitchFamily="-109" charset="-128"/>
-                <a:cs typeface="ＭＳ Ｐゴシック" pitchFamily="-109" charset="-128"/>
-              </a:rPr>
-              <a:t>research has made use of </a:t>
-            </a:r>
-            <a:r>
-              <a:rPr lang="en-US" sz="2400" dirty="0" smtClean="0">
-                <a:latin typeface="Tahoma" pitchFamily="-109" charset="0"/>
-                <a:ea typeface="ＭＳ Ｐゴシック" pitchFamily="-109" charset="-128"/>
-                <a:cs typeface="ＭＳ Ｐゴシック" pitchFamily="-109" charset="-128"/>
-              </a:rPr>
-              <a:t>NED and SIMBAD.</a:t>
+              <a:t>.</a:t>
             </a:r>
             <a:endParaRPr lang="en-US" sz="2000" dirty="0">
               <a:latin typeface="Tahoma" pitchFamily="-109" charset="0"/>
@@ -4893,7 +4866,7 @@
         </p:nvSpPr>
         <p:spPr bwMode="auto">
           <a:xfrm>
-            <a:off x="10684482" y="36048543"/>
+            <a:off x="11029950" y="35972889"/>
             <a:ext cx="9791700" cy="4401205"/>
           </a:xfrm>
           <a:prstGeom prst="rect">
@@ -4922,7 +4895,7 @@
               </a:spcBef>
             </a:pPr>
             <a:r>
-              <a:rPr lang="en-US" b="1" dirty="0" smtClean="0">
+              <a:rPr lang="en-US" b="1" dirty="0">
                 <a:solidFill>
                   <a:srgbClr val="FF0000"/>
                 </a:solidFill>
@@ -4937,15 +4910,15 @@
               </a:spcBef>
             </a:pPr>
             <a:r>
-              <a:rPr lang="en-US" sz="3200" dirty="0" smtClean="0"/>
+              <a:rPr lang="en-US" sz="3200" dirty="0"/>
               <a:t>K-means clustering on </a:t>
             </a:r>
             <a:r>
-              <a:rPr lang="en-US" sz="3200" dirty="0" err="1" smtClean="0"/>
+              <a:rPr lang="en-US" sz="3200" dirty="0" err="1"/>
               <a:t>colours</a:t>
             </a:r>
             <a:r>
-              <a:rPr lang="en-US" sz="3200" dirty="0" smtClean="0"/>
+              <a:rPr lang="en-US" sz="3200" dirty="0"/>
               <a:t> (relative to V) of 6800 objects detected in all bands</a:t>
             </a:r>
           </a:p>
@@ -4956,7 +4929,7 @@
               </a:spcBef>
             </a:pPr>
             <a:r>
-              <a:rPr lang="en-US" sz="3200" dirty="0" smtClean="0"/>
+              <a:rPr lang="en-US" sz="3200" dirty="0"/>
               <a:t>With 4 clusters, groups differ mostly in UV/blue; one group bright in H-alpha: young star clusters?</a:t>
             </a:r>
           </a:p>
@@ -4967,45 +4940,20 @@
               </a:spcBef>
             </a:pPr>
             <a:r>
-              <a:rPr lang="en-US" sz="3200" dirty="0" smtClean="0"/>
+              <a:rPr lang="en-US" sz="3200" dirty="0"/>
               <a:t>Similar results with </a:t>
             </a:r>
             <a:r>
-              <a:rPr lang="en-US" sz="3200" dirty="0" err="1" smtClean="0"/>
+              <a:rPr lang="en-US" sz="3200" dirty="0" err="1"/>
               <a:t>colours</a:t>
             </a:r>
             <a:r>
-              <a:rPr lang="en-US" sz="3200" dirty="0" smtClean="0"/>
+              <a:rPr lang="en-US" sz="3200" dirty="0"/>
               <a:t> relative to other bands, more/fewer clusters</a:t>
             </a:r>
-            <a:endParaRPr lang="en-US" sz="3200" dirty="0"/>
-          </a:p>
-        </p:txBody>
-      </p:sp>
-      <p:pic>
-        <p:nvPicPr>
-          <p:cNvPr id="20" name="Picture 19" descr="westernu.gif"/>
-          <p:cNvPicPr>
-            <a:picLocks noChangeAspect="1"/>
-          </p:cNvPicPr>
-          <p:nvPr/>
-        </p:nvPicPr>
-        <p:blipFill>
-          <a:blip r:embed="rId3"/>
-          <a:stretch>
-            <a:fillRect/>
-          </a:stretch>
-        </p:blipFill>
-        <p:spPr>
-          <a:xfrm>
-            <a:off x="838200" y="902494"/>
-            <a:ext cx="6134100" cy="1600200"/>
-          </a:xfrm>
-          <a:prstGeom prst="rect">
-            <a:avLst/>
-          </a:prstGeom>
-        </p:spPr>
-      </p:pic>
+          </a:p>
+        </p:txBody>
+      </p:sp>
       <p:sp>
         <p:nvSpPr>
           <p:cNvPr id="21" name="TextBox 82"/>
@@ -5016,7 +4964,7 @@
         </p:nvSpPr>
         <p:spPr bwMode="auto">
           <a:xfrm rot="10800000" flipV="1">
-            <a:off x="20078700" y="13659147"/>
+            <a:off x="20078700" y="13963947"/>
             <a:ext cx="10678340" cy="954107"/>
           </a:xfrm>
           <a:prstGeom prst="rect">
@@ -5041,37 +4989,16 @@
           <a:p>
             <a:r>
               <a:rPr lang="en-US" sz="2800" dirty="0"/>
-              <a:t>NASA, ESA, and the Hubble Heritage Team (STScI/AURA); </a:t>
-            </a:r>
-            <a:r>
-              <a:rPr lang="en-US" sz="2800" dirty="0" smtClean="0"/>
-              <a:t>Acknowledgement</a:t>
+              <a:t>NASA, ESA, and the Hubble Heritage Team (STScI/AURA); Acknowledgement: W. Blair (STScI/JHU) and R. O'Connell (</a:t>
+            </a:r>
+            <a:r>
+              <a:rPr lang="en-US" sz="2800" dirty="0" err="1"/>
+              <a:t>UVa</a:t>
             </a:r>
             <a:r>
               <a:rPr lang="en-US" sz="2800" dirty="0"/>
-              <a:t>: W. Blair (</a:t>
-            </a:r>
-            <a:r>
-              <a:rPr lang="en-US" sz="2800" dirty="0" smtClean="0"/>
-              <a:t>STScI/JHU) </a:t>
-            </a:r>
-            <a:r>
-              <a:rPr lang="en-US" sz="2800" dirty="0"/>
-              <a:t>and R. O'Connell </a:t>
-            </a:r>
-            <a:r>
-              <a:rPr lang="en-US" sz="2800" dirty="0" smtClean="0"/>
-              <a:t>(</a:t>
-            </a:r>
-            <a:r>
-              <a:rPr lang="en-US" sz="2800" dirty="0" err="1" smtClean="0"/>
-              <a:t>UVa</a:t>
-            </a:r>
-            <a:r>
-              <a:rPr lang="en-US" sz="2800" dirty="0" smtClean="0"/>
               <a:t>)</a:t>
             </a:r>
-            <a:endParaRPr lang="en-US" sz="2800" dirty="0"/>
           </a:p>
         </p:txBody>
       </p:sp>
@@ -5127,68 +5054,8 @@
         </p:blipFill>
         <p:spPr>
           <a:xfrm>
-            <a:off x="20137119" y="6892478"/>
+            <a:off x="20137119" y="7197278"/>
             <a:ext cx="10058400" cy="6546342"/>
-          </a:xfrm>
-          <a:prstGeom prst="rect">
-            <a:avLst/>
-          </a:prstGeom>
-        </p:spPr>
-      </p:pic>
-      <p:pic>
-        <p:nvPicPr>
-          <p:cNvPr id="5" name="Picture 4"/>
-          <p:cNvPicPr>
-            <a:picLocks noChangeAspect="1"/>
-          </p:cNvPicPr>
-          <p:nvPr/>
-        </p:nvPicPr>
-        <p:blipFill>
-          <a:blip r:embed="rId6">
-            <a:extLst>
-              <a:ext uri="{28A0092B-C50C-407E-A947-70E740481C1C}">
-                <a14:useLocalDpi xmlns:a14="http://schemas.microsoft.com/office/drawing/2010/main" val="0"/>
-              </a:ext>
-            </a:extLst>
-          </a:blip>
-          <a:stretch>
-            <a:fillRect/>
-          </a:stretch>
-        </p:blipFill>
-        <p:spPr>
-          <a:xfrm>
-            <a:off x="22103440" y="35591890"/>
-            <a:ext cx="8564880" cy="6077604"/>
-          </a:xfrm>
-          <a:prstGeom prst="rect">
-            <a:avLst/>
-          </a:prstGeom>
-        </p:spPr>
-      </p:pic>
-      <p:pic>
-        <p:nvPicPr>
-          <p:cNvPr id="6" name="Picture 5"/>
-          <p:cNvPicPr>
-            <a:picLocks noChangeAspect="1"/>
-          </p:cNvPicPr>
-          <p:nvPr/>
-        </p:nvPicPr>
-        <p:blipFill>
-          <a:blip r:embed="rId7">
-            <a:extLst>
-              <a:ext uri="{28A0092B-C50C-407E-A947-70E740481C1C}">
-                <a14:useLocalDpi xmlns:a14="http://schemas.microsoft.com/office/drawing/2010/main" val="0"/>
-              </a:ext>
-            </a:extLst>
-          </a:blip>
-          <a:stretch>
-            <a:fillRect/>
-          </a:stretch>
-        </p:blipFill>
-        <p:spPr>
-          <a:xfrm>
-            <a:off x="1569723" y="35984304"/>
-            <a:ext cx="7965381" cy="5419545"/>
           </a:xfrm>
           <a:prstGeom prst="rect">
             <a:avLst/>
@@ -5204,13 +5071,13 @@
           <p:nvPr>
             <p:extLst>
               <p:ext uri="{D42A27DB-BD31-4B8C-83A1-F6EECF244321}">
-                <p14:modId xmlns:p14="http://schemas.microsoft.com/office/powerpoint/2010/main" val="549966671"/>
+                <p14:modId xmlns:p14="http://schemas.microsoft.com/office/powerpoint/2010/main" val="235749656"/>
               </p:ext>
             </p:extLst>
           </p:nvPr>
         </p:nvGraphicFramePr>
         <p:xfrm>
-          <a:off x="1522471" y="15549740"/>
+          <a:off x="24172662" y="16393378"/>
           <a:ext cx="6022857" cy="5138381"/>
         </p:xfrm>
         <a:graphic>
@@ -5220,9 +5087,27 @@
                 <a:tableStyleId>{F5AB1C69-6EDB-4FF4-983F-18BD219EF322}</a:tableStyleId>
               </a:tblPr>
               <a:tblGrid>
-                <a:gridCol w="2007619"/>
-                <a:gridCol w="2007619"/>
-                <a:gridCol w="2007619"/>
+                <a:gridCol w="2007619">
+                  <a:extLst>
+                    <a:ext uri="{9D8B030D-6E8A-4147-A177-3AD203B41FA5}">
+                      <a16:colId xmlns="" xmlns:a16="http://schemas.microsoft.com/office/drawing/2014/main" val="20000"/>
+                    </a:ext>
+                  </a:extLst>
+                </a:gridCol>
+                <a:gridCol w="2007619">
+                  <a:extLst>
+                    <a:ext uri="{9D8B030D-6E8A-4147-A177-3AD203B41FA5}">
+                      <a16:colId xmlns="" xmlns:a16="http://schemas.microsoft.com/office/drawing/2014/main" val="20001"/>
+                    </a:ext>
+                  </a:extLst>
+                </a:gridCol>
+                <a:gridCol w="2007619">
+                  <a:extLst>
+                    <a:ext uri="{9D8B030D-6E8A-4147-A177-3AD203B41FA5}">
+                      <a16:colId xmlns="" xmlns:a16="http://schemas.microsoft.com/office/drawing/2014/main" val="20002"/>
+                    </a:ext>
+                  </a:extLst>
+                </a:gridCol>
               </a:tblGrid>
               <a:tr h="466360">
                 <a:tc>
@@ -5231,10 +5116,9 @@
                     <a:lstStyle/>
                     <a:p>
                       <a:r>
-                        <a:rPr lang="en-US" dirty="0" smtClean="0"/>
+                        <a:rPr lang="en-US" dirty="0"/>
                         <a:t>Band</a:t>
                       </a:r>
-                      <a:endParaRPr lang="en-US" dirty="0"/>
                     </a:p>
                   </a:txBody>
                   <a:tcPr/>
@@ -5245,10 +5129,9 @@
                     <a:lstStyle/>
                     <a:p>
                       <a:r>
-                        <a:rPr lang="en-US" dirty="0" smtClean="0"/>
+                        <a:rPr lang="en-US" dirty="0"/>
                         <a:t>Name</a:t>
                       </a:r>
-                      <a:endParaRPr lang="en-US" dirty="0"/>
                     </a:p>
                   </a:txBody>
                   <a:tcPr/>
@@ -5259,26 +5142,30 @@
                     <a:lstStyle/>
                     <a:p>
                       <a:r>
-                        <a:rPr lang="en-US" dirty="0" smtClean="0"/>
+                        <a:rPr lang="en-US" dirty="0"/>
                         <a:t>#</a:t>
                       </a:r>
                       <a:r>
-                        <a:rPr lang="en-US" baseline="0" dirty="0" err="1" smtClean="0"/>
+                        <a:rPr lang="en-US" baseline="0" dirty="0" err="1"/>
                         <a:t>src</a:t>
                       </a:r>
                       <a:r>
-                        <a:rPr lang="en-US" baseline="0" dirty="0" smtClean="0"/>
+                        <a:rPr lang="en-US" baseline="0" dirty="0"/>
                         <a:t>  </a:t>
                       </a:r>
                       <a:r>
-                        <a:rPr lang="en-US" dirty="0" smtClean="0"/>
+                        <a:rPr lang="en-US" dirty="0"/>
                         <a:t>S/N&gt;5</a:t>
                       </a:r>
-                      <a:endParaRPr lang="en-US" dirty="0"/>
                     </a:p>
                   </a:txBody>
                   <a:tcPr/>
                 </a:tc>
+                <a:extLst>
+                  <a:ext uri="{0D108BD9-81ED-4DB2-BD59-A6C34878D82A}">
+                    <a16:rowId xmlns="" xmlns:a16="http://schemas.microsoft.com/office/drawing/2014/main" val="10000"/>
+                  </a:ext>
+                </a:extLst>
               </a:tr>
               <a:tr h="466360">
                 <a:tc>
@@ -5287,10 +5174,9 @@
                     <a:lstStyle/>
                     <a:p>
                       <a:r>
-                        <a:rPr lang="en-US" dirty="0" smtClean="0"/>
+                        <a:rPr lang="en-US" dirty="0"/>
                         <a:t>F225W</a:t>
                       </a:r>
-                      <a:endParaRPr lang="en-US" dirty="0"/>
                     </a:p>
                   </a:txBody>
                   <a:tcPr/>
@@ -5301,10 +5187,9 @@
                     <a:lstStyle/>
                     <a:p>
                       <a:r>
-                        <a:rPr lang="en-US" dirty="0" smtClean="0"/>
+                        <a:rPr lang="en-US" dirty="0"/>
                         <a:t>Wide UV</a:t>
                       </a:r>
-                      <a:endParaRPr lang="en-US" dirty="0"/>
                     </a:p>
                   </a:txBody>
                   <a:tcPr/>
@@ -5315,14 +5200,18 @@
                     <a:lstStyle/>
                     <a:p>
                       <a:r>
-                        <a:rPr lang="en-US" dirty="0" smtClean="0"/>
+                        <a:rPr lang="en-US" dirty="0"/>
                         <a:t>15011</a:t>
                       </a:r>
-                      <a:endParaRPr lang="en-US" dirty="0"/>
                     </a:p>
                   </a:txBody>
                   <a:tcPr/>
                 </a:tc>
+                <a:extLst>
+                  <a:ext uri="{0D108BD9-81ED-4DB2-BD59-A6C34878D82A}">
+                    <a16:rowId xmlns="" xmlns:a16="http://schemas.microsoft.com/office/drawing/2014/main" val="10001"/>
+                  </a:ext>
+                </a:extLst>
               </a:tr>
               <a:tr h="466360">
                 <a:tc>
@@ -5331,10 +5220,9 @@
                     <a:lstStyle/>
                     <a:p>
                       <a:r>
-                        <a:rPr lang="en-US" dirty="0" smtClean="0"/>
+                        <a:rPr lang="en-US" dirty="0"/>
                         <a:t>F336W</a:t>
                       </a:r>
-                      <a:endParaRPr lang="en-US" dirty="0"/>
                     </a:p>
                   </a:txBody>
                   <a:tcPr/>
@@ -5345,10 +5233,9 @@
                     <a:lstStyle/>
                     <a:p>
                       <a:r>
-                        <a:rPr lang="en-US" dirty="0" smtClean="0"/>
+                        <a:rPr lang="en-US" dirty="0"/>
                         <a:t>U-band</a:t>
                       </a:r>
-                      <a:endParaRPr lang="en-US" dirty="0"/>
                     </a:p>
                   </a:txBody>
                   <a:tcPr/>
@@ -5359,14 +5246,18 @@
                     <a:lstStyle/>
                     <a:p>
                       <a:r>
-                        <a:rPr lang="en-US" dirty="0" smtClean="0"/>
+                        <a:rPr lang="en-US" dirty="0"/>
                         <a:t>34129</a:t>
                       </a:r>
-                      <a:endParaRPr lang="en-US" dirty="0"/>
                     </a:p>
                   </a:txBody>
                   <a:tcPr/>
                 </a:tc>
+                <a:extLst>
+                  <a:ext uri="{0D108BD9-81ED-4DB2-BD59-A6C34878D82A}">
+                    <a16:rowId xmlns="" xmlns:a16="http://schemas.microsoft.com/office/drawing/2014/main" val="10002"/>
+                  </a:ext>
+                </a:extLst>
               </a:tr>
               <a:tr h="466360">
                 <a:tc>
@@ -5375,10 +5266,9 @@
                     <a:lstStyle/>
                     <a:p>
                       <a:r>
-                        <a:rPr lang="en-US" dirty="0" smtClean="0"/>
+                        <a:rPr lang="en-US" dirty="0"/>
                         <a:t>F373N</a:t>
                       </a:r>
-                      <a:endParaRPr lang="en-US" dirty="0"/>
                     </a:p>
                   </a:txBody>
                   <a:tcPr/>
@@ -5389,10 +5279,9 @@
                     <a:lstStyle/>
                     <a:p>
                       <a:r>
-                        <a:rPr lang="en-US" dirty="0" smtClean="0"/>
+                        <a:rPr lang="en-US" dirty="0"/>
                         <a:t>OIII</a:t>
                       </a:r>
-                      <a:endParaRPr lang="en-US" dirty="0"/>
                     </a:p>
                   </a:txBody>
                   <a:tcPr/>
@@ -5403,14 +5292,18 @@
                     <a:lstStyle/>
                     <a:p>
                       <a:r>
-                        <a:rPr lang="en-US" dirty="0" smtClean="0"/>
+                        <a:rPr lang="en-US" dirty="0"/>
                         <a:t>8878</a:t>
                       </a:r>
-                      <a:endParaRPr lang="en-US" dirty="0"/>
                     </a:p>
                   </a:txBody>
                   <a:tcPr/>
                 </a:tc>
+                <a:extLst>
+                  <a:ext uri="{0D108BD9-81ED-4DB2-BD59-A6C34878D82A}">
+                    <a16:rowId xmlns="" xmlns:a16="http://schemas.microsoft.com/office/drawing/2014/main" val="10003"/>
+                  </a:ext>
+                </a:extLst>
               </a:tr>
               <a:tr h="466360">
                 <a:tc>
@@ -5419,10 +5312,9 @@
                     <a:lstStyle/>
                     <a:p>
                       <a:r>
-                        <a:rPr lang="en-US" dirty="0" smtClean="0"/>
+                        <a:rPr lang="en-US" dirty="0"/>
                         <a:t>F438W</a:t>
                       </a:r>
-                      <a:endParaRPr lang="en-US" dirty="0"/>
                     </a:p>
                   </a:txBody>
                   <a:tcPr/>
@@ -5433,10 +5325,9 @@
                     <a:lstStyle/>
                     <a:p>
                       <a:r>
-                        <a:rPr lang="en-US" dirty="0" smtClean="0"/>
+                        <a:rPr lang="en-US" dirty="0"/>
                         <a:t>B-band</a:t>
                       </a:r>
-                      <a:endParaRPr lang="en-US" dirty="0"/>
                     </a:p>
                   </a:txBody>
                   <a:tcPr/>
@@ -5447,14 +5338,18 @@
                     <a:lstStyle/>
                     <a:p>
                       <a:r>
-                        <a:rPr lang="en-US" dirty="0" smtClean="0"/>
+                        <a:rPr lang="en-US" dirty="0"/>
                         <a:t>48858</a:t>
                       </a:r>
-                      <a:endParaRPr lang="en-US" dirty="0"/>
                     </a:p>
                   </a:txBody>
                   <a:tcPr/>
                 </a:tc>
+                <a:extLst>
+                  <a:ext uri="{0D108BD9-81ED-4DB2-BD59-A6C34878D82A}">
+                    <a16:rowId xmlns="" xmlns:a16="http://schemas.microsoft.com/office/drawing/2014/main" val="10004"/>
+                  </a:ext>
+                </a:extLst>
               </a:tr>
               <a:tr h="466360">
                 <a:tc>
@@ -5463,10 +5358,9 @@
                     <a:lstStyle/>
                     <a:p>
                       <a:r>
-                        <a:rPr lang="en-US" dirty="0" smtClean="0"/>
+                        <a:rPr lang="en-US" dirty="0"/>
                         <a:t>F487N</a:t>
                       </a:r>
-                      <a:endParaRPr lang="en-US" dirty="0"/>
                     </a:p>
                   </a:txBody>
                   <a:tcPr/>
@@ -5477,10 +5371,9 @@
                     <a:lstStyle/>
                     <a:p>
                       <a:r>
-                        <a:rPr lang="en-US" dirty="0" smtClean="0"/>
+                        <a:rPr lang="en-US" dirty="0"/>
                         <a:t>H-beta</a:t>
                       </a:r>
-                      <a:endParaRPr lang="en-US" dirty="0"/>
                     </a:p>
                   </a:txBody>
                   <a:tcPr/>
@@ -5491,14 +5384,18 @@
                     <a:lstStyle/>
                     <a:p>
                       <a:r>
-                        <a:rPr lang="en-US" dirty="0" smtClean="0"/>
+                        <a:rPr lang="en-US" dirty="0"/>
                         <a:t>13335</a:t>
                       </a:r>
-                      <a:endParaRPr lang="en-US" dirty="0"/>
                     </a:p>
                   </a:txBody>
                   <a:tcPr/>
                 </a:tc>
+                <a:extLst>
+                  <a:ext uri="{0D108BD9-81ED-4DB2-BD59-A6C34878D82A}">
+                    <a16:rowId xmlns="" xmlns:a16="http://schemas.microsoft.com/office/drawing/2014/main" val="10005"/>
+                  </a:ext>
+                </a:extLst>
               </a:tr>
               <a:tr h="466360">
                 <a:tc>
@@ -5507,10 +5404,9 @@
                     <a:lstStyle/>
                     <a:p>
                       <a:r>
-                        <a:rPr lang="en-US" dirty="0" smtClean="0"/>
+                        <a:rPr lang="en-US" dirty="0"/>
                         <a:t>F502N</a:t>
                       </a:r>
-                      <a:endParaRPr lang="en-US" dirty="0"/>
                     </a:p>
                   </a:txBody>
                   <a:tcPr/>
@@ -5521,10 +5417,9 @@
                     <a:lstStyle/>
                     <a:p>
                       <a:r>
-                        <a:rPr lang="en-US" dirty="0" smtClean="0"/>
+                        <a:rPr lang="en-US" dirty="0"/>
                         <a:t>OII</a:t>
                       </a:r>
-                      <a:endParaRPr lang="en-US" dirty="0"/>
                     </a:p>
                   </a:txBody>
                   <a:tcPr/>
@@ -5535,14 +5430,18 @@
                     <a:lstStyle/>
                     <a:p>
                       <a:r>
-                        <a:rPr lang="en-US" dirty="0" smtClean="0"/>
+                        <a:rPr lang="en-US" dirty="0"/>
                         <a:t>14654</a:t>
                       </a:r>
-                      <a:endParaRPr lang="en-US" dirty="0"/>
                     </a:p>
                   </a:txBody>
                   <a:tcPr/>
                 </a:tc>
+                <a:extLst>
+                  <a:ext uri="{0D108BD9-81ED-4DB2-BD59-A6C34878D82A}">
+                    <a16:rowId xmlns="" xmlns:a16="http://schemas.microsoft.com/office/drawing/2014/main" val="10006"/>
+                  </a:ext>
+                </a:extLst>
               </a:tr>
               <a:tr h="474781">
                 <a:tc>
@@ -5551,10 +5450,9 @@
                     <a:lstStyle/>
                     <a:p>
                       <a:r>
-                        <a:rPr lang="en-US" dirty="0" smtClean="0"/>
+                        <a:rPr lang="en-US" dirty="0"/>
                         <a:t>F555W</a:t>
                       </a:r>
-                      <a:endParaRPr lang="en-US" dirty="0"/>
                     </a:p>
                   </a:txBody>
                   <a:tcPr/>
@@ -5565,10 +5463,9 @@
                     <a:lstStyle/>
                     <a:p>
                       <a:r>
-                        <a:rPr lang="en-US" dirty="0" smtClean="0"/>
+                        <a:rPr lang="en-US" dirty="0"/>
                         <a:t>V-band</a:t>
                       </a:r>
-                      <a:endParaRPr lang="en-US" dirty="0"/>
                     </a:p>
                   </a:txBody>
                   <a:tcPr/>
@@ -5579,14 +5476,18 @@
                     <a:lstStyle/>
                     <a:p>
                       <a:r>
-                        <a:rPr lang="en-US" dirty="0" smtClean="0"/>
+                        <a:rPr lang="en-US" dirty="0"/>
                         <a:t>65652</a:t>
                       </a:r>
-                      <a:endParaRPr lang="en-US" dirty="0"/>
                     </a:p>
                   </a:txBody>
                   <a:tcPr/>
                 </a:tc>
+                <a:extLst>
+                  <a:ext uri="{0D108BD9-81ED-4DB2-BD59-A6C34878D82A}">
+                    <a16:rowId xmlns="" xmlns:a16="http://schemas.microsoft.com/office/drawing/2014/main" val="10007"/>
+                  </a:ext>
+                </a:extLst>
               </a:tr>
               <a:tr h="466360">
                 <a:tc>
@@ -5595,10 +5496,9 @@
                     <a:lstStyle/>
                     <a:p>
                       <a:r>
-                        <a:rPr lang="en-US" dirty="0" smtClean="0"/>
+                        <a:rPr lang="en-US" dirty="0"/>
                         <a:t>F657N</a:t>
                       </a:r>
-                      <a:endParaRPr lang="en-US" dirty="0"/>
                     </a:p>
                   </a:txBody>
                   <a:tcPr/>
@@ -5609,10 +5509,9 @@
                     <a:lstStyle/>
                     <a:p>
                       <a:r>
-                        <a:rPr lang="en-US" dirty="0" smtClean="0"/>
+                        <a:rPr lang="en-US" dirty="0"/>
                         <a:t>H-alpha + NII</a:t>
                       </a:r>
-                      <a:endParaRPr lang="en-US" dirty="0"/>
                     </a:p>
                   </a:txBody>
                   <a:tcPr/>
@@ -5623,14 +5522,18 @@
                     <a:lstStyle/>
                     <a:p>
                       <a:r>
-                        <a:rPr lang="en-US" dirty="0" smtClean="0"/>
+                        <a:rPr lang="en-US" dirty="0"/>
                         <a:t>23939</a:t>
                       </a:r>
-                      <a:endParaRPr lang="en-US" dirty="0"/>
                     </a:p>
                   </a:txBody>
                   <a:tcPr/>
                 </a:tc>
+                <a:extLst>
+                  <a:ext uri="{0D108BD9-81ED-4DB2-BD59-A6C34878D82A}">
+                    <a16:rowId xmlns="" xmlns:a16="http://schemas.microsoft.com/office/drawing/2014/main" val="10008"/>
+                  </a:ext>
+                </a:extLst>
               </a:tr>
               <a:tr h="466360">
                 <a:tc>
@@ -5639,10 +5542,9 @@
                     <a:lstStyle/>
                     <a:p>
                       <a:r>
-                        <a:rPr lang="en-US" dirty="0" smtClean="0"/>
+                        <a:rPr lang="en-US" dirty="0"/>
                         <a:t>F673N</a:t>
                       </a:r>
-                      <a:endParaRPr lang="en-US" dirty="0"/>
                     </a:p>
                   </a:txBody>
                   <a:tcPr/>
@@ -5653,10 +5555,9 @@
                     <a:lstStyle/>
                     <a:p>
                       <a:r>
-                        <a:rPr lang="en-US" dirty="0" smtClean="0"/>
+                        <a:rPr lang="en-US" dirty="0"/>
                         <a:t>SII</a:t>
                       </a:r>
-                      <a:endParaRPr lang="en-US" dirty="0"/>
                     </a:p>
                   </a:txBody>
                   <a:tcPr/>
@@ -5667,14 +5568,18 @@
                     <a:lstStyle/>
                     <a:p>
                       <a:r>
-                        <a:rPr lang="en-US" dirty="0" smtClean="0"/>
+                        <a:rPr lang="en-US" dirty="0"/>
                         <a:t>25295</a:t>
                       </a:r>
-                      <a:endParaRPr lang="en-US" dirty="0"/>
                     </a:p>
                   </a:txBody>
                   <a:tcPr/>
                 </a:tc>
+                <a:extLst>
+                  <a:ext uri="{0D108BD9-81ED-4DB2-BD59-A6C34878D82A}">
+                    <a16:rowId xmlns="" xmlns:a16="http://schemas.microsoft.com/office/drawing/2014/main" val="10009"/>
+                  </a:ext>
+                </a:extLst>
               </a:tr>
               <a:tr h="466360">
                 <a:tc>
@@ -5683,10 +5588,9 @@
                     <a:lstStyle/>
                     <a:p>
                       <a:r>
-                        <a:rPr lang="en-US" dirty="0" smtClean="0"/>
+                        <a:rPr lang="en-US" dirty="0"/>
                         <a:t>F814W</a:t>
                       </a:r>
-                      <a:endParaRPr lang="en-US" dirty="0"/>
                     </a:p>
                   </a:txBody>
                   <a:tcPr/>
@@ -5697,10 +5601,9 @@
                     <a:lstStyle/>
                     <a:p>
                       <a:r>
-                        <a:rPr lang="en-US" dirty="0" smtClean="0"/>
+                        <a:rPr lang="en-US" dirty="0"/>
                         <a:t>I-band</a:t>
                       </a:r>
-                      <a:endParaRPr lang="en-US" dirty="0"/>
                     </a:p>
                   </a:txBody>
                   <a:tcPr/>
@@ -5711,14 +5614,18 @@
                     <a:lstStyle/>
                     <a:p>
                       <a:r>
-                        <a:rPr lang="en-US" dirty="0" smtClean="0"/>
+                        <a:rPr lang="en-US" dirty="0"/>
                         <a:t>59600</a:t>
                       </a:r>
-                      <a:endParaRPr lang="en-US" dirty="0"/>
                     </a:p>
                   </a:txBody>
                   <a:tcPr/>
                 </a:tc>
+                <a:extLst>
+                  <a:ext uri="{0D108BD9-81ED-4DB2-BD59-A6C34878D82A}">
+                    <a16:rowId xmlns="" xmlns:a16="http://schemas.microsoft.com/office/drawing/2014/main" val="10010"/>
+                  </a:ext>
+                </a:extLst>
               </a:tr>
             </a:tbl>
           </a:graphicData>
@@ -5732,7 +5639,7 @@
         </p:nvGrpSpPr>
         <p:grpSpPr>
           <a:xfrm>
-            <a:off x="16687800" y="15761494"/>
+            <a:off x="838200" y="16248128"/>
             <a:ext cx="14290039" cy="6756983"/>
             <a:chOff x="16687800" y="15761494"/>
             <a:chExt cx="14290039" cy="6756983"/>
@@ -5747,7 +5654,7 @@
             <p:nvPr/>
           </p:nvPicPr>
           <p:blipFill rotWithShape="1">
-            <a:blip r:embed="rId8">
+            <a:blip r:embed="rId6">
               <a:extLst>
                 <a:ext uri="{28A0092B-C50C-407E-A947-70E740481C1C}">
                   <a14:useLocalDpi xmlns:a14="http://schemas.microsoft.com/office/drawing/2010/main" val="0"/>
@@ -5776,7 +5683,7 @@
             <p:nvPr/>
           </p:nvPicPr>
           <p:blipFill rotWithShape="1">
-            <a:blip r:embed="rId9">
+            <a:blip r:embed="rId7">
               <a:extLst>
                 <a:ext uri="{28A0092B-C50C-407E-A947-70E740481C1C}">
                   <a14:useLocalDpi xmlns:a14="http://schemas.microsoft.com/office/drawing/2010/main" val="0"/>
@@ -5839,7 +5746,7 @@
                 </a:spcBef>
               </a:pPr>
               <a:r>
-                <a:rPr lang="en-US" b="1" dirty="0" err="1" smtClean="0">
+                <a:rPr lang="en-US" b="1" dirty="0" err="1">
                   <a:solidFill>
                     <a:srgbClr val="FF0000"/>
                   </a:solidFill>
@@ -5847,36 +5754,60 @@
                 <a:t>Colour</a:t>
               </a:r>
               <a:r>
-                <a:rPr lang="en-US" b="1" dirty="0" smtClean="0">
+                <a:rPr lang="en-US" b="1" dirty="0">
                   <a:solidFill>
                     <a:srgbClr val="FF0000"/>
                   </a:solidFill>
                 </a:rPr>
-                <a:t> choice matters</a:t>
-              </a:r>
-              <a:r>
-                <a:rPr lang="en-US" b="1" dirty="0" smtClean="0">
-                  <a:solidFill>
-                    <a:srgbClr val="FF0000"/>
-                  </a:solidFill>
-                </a:rPr>
-                <a:t>: </a:t>
+                <a:t> choice matters: </a:t>
               </a:r>
               <a:r>
                 <a:rPr lang="en-US" sz="3200" dirty="0"/>
-                <a:t>s</a:t>
+                <a:t>same objects, same bands, but 2 sets of </a:t>
+              </a:r>
+              <a:r>
+                <a:rPr lang="en-US" sz="3200" dirty="0" err="1"/>
+                <a:t>colours</a:t>
+              </a:r>
+              <a:r>
+                <a:rPr lang="en-US" sz="3200" dirty="0"/>
+                <a:t>. Red line is super-solar </a:t>
               </a:r>
               <a:r>
                 <a:rPr lang="en-US" sz="3200" dirty="0" smtClean="0"/>
-                <a:t>ame objects, same bands, but 2 sets of </a:t>
+                <a:t>SSP model </a:t>
+              </a:r>
+              <a:r>
+                <a:rPr lang="en-US" sz="3200" dirty="0"/>
+                <a:t>from FSPS (Conroy et al. 2009), </a:t>
+              </a:r>
+              <a:r>
+                <a:rPr lang="en-US" sz="3200" dirty="0" smtClean="0"/>
+                <a:t>ages 10</a:t>
+              </a:r>
+              <a:r>
+                <a:rPr lang="en-US" sz="3200" baseline="30000" dirty="0" smtClean="0"/>
+                <a:t>5</a:t>
+              </a:r>
+              <a:r>
+                <a:rPr lang="en-US" sz="3200" dirty="0" smtClean="0"/>
+                <a:t> </a:t>
               </a:r>
               <a:r>
                 <a:rPr lang="en-US" sz="3200" dirty="0" err="1" smtClean="0"/>
-                <a:t>colours</a:t>
+                <a:t>yr</a:t>
               </a:r>
               <a:r>
                 <a:rPr lang="en-US" sz="3200" dirty="0" smtClean="0"/>
-                <a:t>. Red line is super-solar SSP from FSPS (Conroy et al. 2009), youngest age at red circle.</a:t>
+                <a:t> (red circle)-10</a:t>
+              </a:r>
+              <a:r>
+                <a:rPr lang="en-US" sz="3200" baseline="30000" dirty="0" smtClean="0"/>
+                <a:t>10.3</a:t>
+              </a:r>
+              <a:r>
+                <a:rPr lang="en-US" sz="3200" dirty="0" smtClean="0"/>
+                <a:t> yr.</a:t>
               </a:r>
               <a:endParaRPr lang="en-US" sz="3200" dirty="0"/>
             </a:p>
@@ -5893,7 +5824,7 @@
         </p:nvSpPr>
         <p:spPr bwMode="auto">
           <a:xfrm>
-            <a:off x="23162023" y="36190503"/>
+            <a:off x="22711896" y="36710247"/>
             <a:ext cx="2516509" cy="1077218"/>
           </a:xfrm>
           <a:prstGeom prst="rect">
@@ -5922,10 +5853,15 @@
               </a:spcBef>
             </a:pPr>
             <a:r>
-              <a:rPr lang="en-US" sz="3200" dirty="0" smtClean="0"/>
+              <a:rPr lang="en-US" sz="3200" dirty="0">
+                <a:solidFill>
+                  <a:schemeClr val="accent4">
+                    <a:lumMod val="50000"/>
+                  </a:schemeClr>
+                </a:solidFill>
+              </a:rPr>
               <a:t>Solid: broad bands</a:t>
             </a:r>
-            <a:endParaRPr lang="en-US" sz="3200" dirty="0"/>
           </a:p>
         </p:txBody>
       </p:sp>
@@ -5939,7 +5875,7 @@
         </p:nvSpPr>
         <p:spPr bwMode="auto">
           <a:xfrm>
-            <a:off x="26019550" y="37779002"/>
+            <a:off x="26828730" y="37483049"/>
             <a:ext cx="2736730" cy="1077218"/>
           </a:xfrm>
           <a:prstGeom prst="rect">
@@ -5972,30 +5908,35 @@
               </a:spcBef>
             </a:pPr>
             <a:r>
-              <a:rPr lang="en-US" sz="3200" smtClean="0"/>
+              <a:rPr lang="en-US" sz="3200" dirty="0">
+                <a:solidFill>
+                  <a:schemeClr val="accent4">
+                    <a:lumMod val="50000"/>
+                  </a:schemeClr>
+                </a:solidFill>
+              </a:rPr>
               <a:t>Open: narrow bands</a:t>
             </a:r>
-            <a:endParaRPr lang="en-US" sz="3200" dirty="0"/>
           </a:p>
         </p:txBody>
       </p:sp>
       <p:grpSp>
         <p:nvGrpSpPr>
-          <p:cNvPr id="14" name="Group 13"/>
+          <p:cNvPr id="15" name="Group 14"/>
           <p:cNvGrpSpPr/>
           <p:nvPr/>
         </p:nvGrpSpPr>
         <p:grpSpPr>
           <a:xfrm>
-            <a:off x="838200" y="22340960"/>
-            <a:ext cx="18392855" cy="7504142"/>
-            <a:chOff x="1602025" y="23344952"/>
-            <a:chExt cx="18392855" cy="7504142"/>
+            <a:off x="17945509" y="31238168"/>
+            <a:ext cx="13594942" cy="2654539"/>
+            <a:chOff x="17104415" y="32710746"/>
+            <a:chExt cx="14022049" cy="2690910"/>
           </a:xfrm>
         </p:grpSpPr>
         <p:sp>
           <p:nvSpPr>
-            <p:cNvPr id="15369" name="Text Box 84"/>
+            <p:cNvPr id="40" name="Text Box 84"/>
             <p:cNvSpPr txBox="1">
               <a:spLocks noChangeArrowheads="1"/>
             </p:cNvSpPr>
@@ -6003,8 +5944,70 @@
           </p:nvSpPr>
           <p:spPr bwMode="auto">
             <a:xfrm>
-              <a:off x="5862264" y="30141208"/>
-              <a:ext cx="7620000" cy="707886"/>
+              <a:off x="18657230" y="34060084"/>
+              <a:ext cx="9174837" cy="1341572"/>
+            </a:xfrm>
+            <a:prstGeom prst="rect">
+              <a:avLst/>
+            </a:prstGeom>
+            <a:noFill/>
+            <a:ln w="9525">
+              <a:noFill/>
+              <a:miter lim="800000"/>
+              <a:headEnd/>
+              <a:tailEnd/>
+            </a:ln>
+          </p:spPr>
+          <p:txBody>
+            <a:bodyPr wrap="square">
+              <a:prstTxWarp prst="textNoShape">
+                <a:avLst/>
+              </a:prstTxWarp>
+              <a:spAutoFit/>
+            </a:bodyPr>
+            <a:lstStyle/>
+            <a:p>
+              <a:pPr algn="ctr">
+                <a:spcBef>
+                  <a:spcPct val="50000"/>
+                </a:spcBef>
+              </a:pPr>
+              <a:r>
+                <a:rPr lang="en-US" b="1" dirty="0" err="1" smtClean="0">
+                  <a:solidFill>
+                    <a:srgbClr val="FF0000"/>
+                  </a:solidFill>
+                </a:rPr>
+                <a:t>Colour</a:t>
+              </a:r>
+              <a:r>
+                <a:rPr lang="en-US" b="1" dirty="0" smtClean="0">
+                  <a:solidFill>
+                    <a:srgbClr val="FF0000"/>
+                  </a:solidFill>
+                </a:rPr>
+                <a:t> space dimensions matter: UBVI 3D results, 4 clusters</a:t>
+              </a:r>
+              <a:endParaRPr lang="en-US" b="1" dirty="0">
+                <a:solidFill>
+                  <a:srgbClr val="FF0000"/>
+                </a:solidFill>
+              </a:endParaRPr>
+            </a:p>
+          </p:txBody>
+        </p:sp>
+        <p:sp>
+          <p:nvSpPr>
+            <p:cNvPr id="41" name="Text Box 84"/>
+            <p:cNvSpPr txBox="1">
+              <a:spLocks noChangeArrowheads="1"/>
+            </p:cNvSpPr>
+            <p:nvPr/>
+          </p:nvSpPr>
+          <p:spPr bwMode="auto">
+            <a:xfrm>
+              <a:off x="23534912" y="32710746"/>
+              <a:ext cx="7591552" cy="1077218"/>
             </a:xfrm>
             <a:prstGeom prst="rect">
               <a:avLst/>
@@ -6032,76 +6035,142 @@
                 </a:spcBef>
               </a:pPr>
               <a:r>
+                <a:rPr lang="en-US" sz="3200" dirty="0"/>
+                <a:t>Projection of K-Means K=4 3D segmentation (compare </a:t>
+              </a:r>
+              <a:r>
+                <a:rPr lang="en-US" sz="3200" dirty="0" smtClean="0"/>
+                <a:t>to 2D, left</a:t>
+              </a:r>
+              <a:r>
+                <a:rPr lang="en-US" sz="3200" dirty="0"/>
+                <a:t>) </a:t>
+              </a:r>
+            </a:p>
+          </p:txBody>
+        </p:sp>
+        <p:sp>
+          <p:nvSpPr>
+            <p:cNvPr id="32" name="Text Box 84"/>
+            <p:cNvSpPr txBox="1">
+              <a:spLocks noChangeArrowheads="1"/>
+            </p:cNvSpPr>
+            <p:nvPr/>
+          </p:nvSpPr>
+          <p:spPr bwMode="auto">
+            <a:xfrm>
+              <a:off x="17104415" y="32775047"/>
+              <a:ext cx="6819492" cy="584775"/>
+            </a:xfrm>
+            <a:prstGeom prst="rect">
+              <a:avLst/>
+            </a:prstGeom>
+            <a:noFill/>
+            <a:ln w="9525">
+              <a:noFill/>
+              <a:miter lim="800000"/>
+              <a:headEnd/>
+              <a:tailEnd/>
+            </a:ln>
+          </p:spPr>
+          <p:txBody>
+            <a:bodyPr wrap="square">
+              <a:prstTxWarp prst="textNoShape">
+                <a:avLst/>
+              </a:prstTxWarp>
+              <a:spAutoFit/>
+            </a:bodyPr>
+            <a:lstStyle/>
+            <a:p>
+              <a:pPr>
+                <a:spcBef>
+                  <a:spcPct val="50000"/>
+                </a:spcBef>
+              </a:pPr>
+              <a:r>
+                <a:rPr lang="en-US" sz="3200" dirty="0"/>
+                <a:t>K-Means K=4 3D segmentation</a:t>
+              </a:r>
+            </a:p>
+          </p:txBody>
+        </p:sp>
+      </p:grpSp>
+      <p:grpSp>
+        <p:nvGrpSpPr>
+          <p:cNvPr id="14" name="Group 13"/>
+          <p:cNvGrpSpPr/>
+          <p:nvPr/>
+        </p:nvGrpSpPr>
+        <p:grpSpPr>
+          <a:xfrm>
+            <a:off x="462055" y="27872802"/>
+            <a:ext cx="18156009" cy="6111003"/>
+            <a:chOff x="1838871" y="25198103"/>
+            <a:chExt cx="18156009" cy="6111003"/>
+          </a:xfrm>
+        </p:grpSpPr>
+        <p:sp>
+          <p:nvSpPr>
+            <p:cNvPr id="15369" name="Text Box 84"/>
+            <p:cNvSpPr txBox="1">
+              <a:spLocks noChangeArrowheads="1"/>
+            </p:cNvSpPr>
+            <p:nvPr/>
+          </p:nvSpPr>
+          <p:spPr bwMode="auto">
+            <a:xfrm>
+              <a:off x="6135598" y="29985667"/>
+              <a:ext cx="8351856" cy="1323439"/>
+            </a:xfrm>
+            <a:prstGeom prst="rect">
+              <a:avLst/>
+            </a:prstGeom>
+            <a:noFill/>
+            <a:ln w="9525">
+              <a:noFill/>
+              <a:miter lim="800000"/>
+              <a:headEnd/>
+              <a:tailEnd/>
+            </a:ln>
+          </p:spPr>
+          <p:txBody>
+            <a:bodyPr wrap="square">
+              <a:prstTxWarp prst="textNoShape">
+                <a:avLst/>
+              </a:prstTxWarp>
+              <a:spAutoFit/>
+            </a:bodyPr>
+            <a:lstStyle/>
+            <a:p>
+              <a:pPr algn="ctr">
+                <a:spcBef>
+                  <a:spcPct val="50000"/>
+                </a:spcBef>
+              </a:pPr>
+              <a:r>
+                <a:rPr lang="en-US" b="1" dirty="0">
+                  <a:solidFill>
+                    <a:srgbClr val="FF0000"/>
+                  </a:solidFill>
+                </a:rPr>
+                <a:t>Clustering algorithm </a:t>
+              </a:r>
+              <a:r>
                 <a:rPr lang="en-US" b="1" dirty="0" smtClean="0">
                   <a:solidFill>
                     <a:srgbClr val="FF0000"/>
                   </a:solidFill>
                 </a:rPr>
-                <a:t>Clustering algorithm matters</a:t>
+                <a:t>matters: UBVI 2D results, 5 clusters</a:t>
               </a:r>
+              <a:endParaRPr lang="en-US" b="1" dirty="0">
+                <a:solidFill>
+                  <a:srgbClr val="FF0000"/>
+                </a:solidFill>
+              </a:endParaRPr>
             </a:p>
           </p:txBody>
         </p:sp>
-        <p:pic>
-          <p:nvPicPr>
-            <p:cNvPr id="10" name="Picture 9"/>
-            <p:cNvPicPr>
-              <a:picLocks noChangeAspect="1"/>
-            </p:cNvPicPr>
-            <p:nvPr/>
-          </p:nvPicPr>
-          <p:blipFill>
-            <a:blip r:embed="rId10">
-              <a:extLst>
-                <a:ext uri="{28A0092B-C50C-407E-A947-70E740481C1C}">
-                  <a14:useLocalDpi xmlns:a14="http://schemas.microsoft.com/office/drawing/2010/main" val="0"/>
-                </a:ext>
-              </a:extLst>
-            </a:blip>
-            <a:stretch>
-              <a:fillRect/>
-            </a:stretch>
-          </p:blipFill>
-          <p:spPr>
-            <a:xfrm>
-              <a:off x="9864538" y="23445678"/>
-              <a:ext cx="5715794" cy="5715794"/>
-            </a:xfrm>
-            <a:prstGeom prst="rect">
-              <a:avLst/>
-            </a:prstGeom>
-          </p:spPr>
-        </p:pic>
-        <p:pic>
-          <p:nvPicPr>
-            <p:cNvPr id="11" name="Picture 10"/>
-            <p:cNvPicPr>
-              <a:picLocks noChangeAspect="1"/>
-            </p:cNvPicPr>
-            <p:nvPr/>
-          </p:nvPicPr>
-          <p:blipFill>
-            <a:blip r:embed="rId11">
-              <a:extLst>
-                <a:ext uri="{28A0092B-C50C-407E-A947-70E740481C1C}">
-                  <a14:useLocalDpi xmlns:a14="http://schemas.microsoft.com/office/drawing/2010/main" val="0"/>
-                </a:ext>
-              </a:extLst>
-            </a:blip>
-            <a:stretch>
-              <a:fillRect/>
-            </a:stretch>
-          </p:blipFill>
-          <p:spPr>
-            <a:xfrm>
-              <a:off x="3671598" y="23344952"/>
-              <a:ext cx="5816520" cy="5816520"/>
-            </a:xfrm>
-            <a:prstGeom prst="rect">
-              <a:avLst/>
-            </a:prstGeom>
-          </p:spPr>
-        </p:pic>
         <p:sp>
           <p:nvSpPr>
             <p:cNvPr id="37" name="Text Box 84"/>
@@ -6141,8 +6210,20 @@
                 </a:spcBef>
               </a:pPr>
               <a:r>
+                <a:rPr lang="en-US" sz="3200" dirty="0"/>
+                <a:t>Mean </a:t>
+              </a:r>
+              <a:r>
                 <a:rPr lang="en-US" sz="3200" dirty="0" smtClean="0"/>
-                <a:t>Mean Shift: one big cluster</a:t>
+                <a:t>Shift: mostly one </a:t>
+              </a:r>
+              <a:r>
+                <a:rPr lang="en-US" sz="3200" dirty="0"/>
+                <a:t>big </a:t>
+              </a:r>
+              <a:r>
+                <a:rPr lang="en-US" sz="3200" dirty="0" smtClean="0"/>
+                <a:t>cluster</a:t>
               </a:r>
               <a:endParaRPr lang="en-US" sz="3200" dirty="0"/>
             </a:p>
@@ -6188,9 +6269,12 @@
               </a:pPr>
               <a:r>
                 <a:rPr lang="en-US" sz="3200" dirty="0" smtClean="0"/>
-                <a:t>K-Means: comparable-sized clusters</a:t>
+                <a:t>K-Means: comparably-sized </a:t>
               </a:r>
-              <a:endParaRPr lang="en-US" sz="3200" dirty="0"/>
+              <a:r>
+                <a:rPr lang="en-US" sz="3200" dirty="0"/>
+                <a:t>clusters</a:t>
+              </a:r>
             </a:p>
           </p:txBody>
         </p:sp>
@@ -6204,7 +6288,7 @@
           </p:nvSpPr>
           <p:spPr bwMode="auto">
             <a:xfrm>
-              <a:off x="1602025" y="26683069"/>
+              <a:off x="1838871" y="26448748"/>
               <a:ext cx="2248812" cy="1077218"/>
             </a:xfrm>
             <a:prstGeom prst="rect">
@@ -6233,14 +6317,32 @@
                 </a:spcBef>
               </a:pPr>
               <a:r>
-                <a:rPr lang="en-US" sz="3200" dirty="0" smtClean="0"/>
+                <a:rPr lang="en-US" sz="3200" dirty="0">
+                  <a:solidFill>
+                    <a:schemeClr val="accent4">
+                      <a:lumMod val="50000"/>
+                    </a:schemeClr>
+                  </a:solidFill>
+                </a:rPr>
                 <a:t>Cluster </a:t>
               </a:r>
               <a:r>
-                <a:rPr lang="en-US" sz="3200" dirty="0" err="1" smtClean="0"/>
+                <a:rPr lang="en-US" sz="3200" dirty="0" err="1">
+                  <a:solidFill>
+                    <a:schemeClr val="accent4">
+                      <a:lumMod val="50000"/>
+                    </a:schemeClr>
+                  </a:solidFill>
+                </a:rPr>
                 <a:t>centres</a:t>
               </a:r>
-              <a:endParaRPr lang="en-US" sz="3200" dirty="0"/>
+              <a:endParaRPr lang="en-US" sz="3200" dirty="0">
+                <a:solidFill>
+                  <a:schemeClr val="accent4">
+                    <a:lumMod val="50000"/>
+                  </a:schemeClr>
+                </a:solidFill>
+              </a:endParaRPr>
             </a:p>
           </p:txBody>
         </p:sp>
@@ -6254,7 +6356,7 @@
           </p:nvSpPr>
           <p:spPr bwMode="auto">
             <a:xfrm>
-              <a:off x="16315223" y="25767322"/>
+              <a:off x="16315223" y="25198103"/>
               <a:ext cx="3679657" cy="1086206"/>
             </a:xfrm>
             <a:prstGeom prst="rect">
@@ -6283,283 +6385,547 @@
                 </a:spcBef>
               </a:pPr>
               <a:r>
-                <a:rPr lang="en-US" sz="3200" smtClean="0"/>
+                <a:rPr lang="en-US" sz="3200" dirty="0">
+                  <a:solidFill>
+                    <a:schemeClr val="accent4">
+                      <a:lumMod val="50000"/>
+                    </a:schemeClr>
+                  </a:solidFill>
+                </a:rPr>
                 <a:t>Cluster numbering is arbitrary</a:t>
               </a:r>
-              <a:endParaRPr lang="en-US" sz="3200" dirty="0"/>
             </a:p>
           </p:txBody>
         </p:sp>
       </p:grpSp>
-      <p:grpSp>
-        <p:nvGrpSpPr>
-          <p:cNvPr id="15" name="Group 14"/>
-          <p:cNvGrpSpPr/>
+      <p:cxnSp>
+        <p:nvCxnSpPr>
+          <p:cNvPr id="17" name="Straight Arrow Connector 16"/>
+          <p:cNvCxnSpPr/>
           <p:nvPr/>
-        </p:nvGrpSpPr>
-        <p:grpSpPr>
+        </p:nvCxnSpPr>
+        <p:spPr bwMode="auto">
+          <a:xfrm flipV="1">
+            <a:off x="16662400" y="25948732"/>
+            <a:ext cx="1081292" cy="1727304"/>
+          </a:xfrm>
+          <a:prstGeom prst="straightConnector1">
+            <a:avLst/>
+          </a:prstGeom>
+          <a:solidFill>
+            <a:schemeClr val="accent1"/>
+          </a:solidFill>
+          <a:ln w="73025" cap="flat" cmpd="sng" algn="ctr">
+            <a:solidFill>
+              <a:schemeClr val="accent4">
+                <a:lumMod val="75000"/>
+              </a:schemeClr>
+            </a:solidFill>
+            <a:prstDash val="solid"/>
+            <a:round/>
+            <a:headEnd type="none" w="med" len="med"/>
+            <a:tailEnd type="triangle" w="lg" len="med"/>
+          </a:ln>
+          <a:effectLst/>
+        </p:spPr>
+      </p:cxnSp>
+      <p:cxnSp>
+        <p:nvCxnSpPr>
+          <p:cNvPr id="43" name="Straight Arrow Connector 42"/>
+          <p:cNvCxnSpPr/>
+          <p:nvPr/>
+        </p:nvCxnSpPr>
+        <p:spPr bwMode="auto">
+          <a:xfrm flipH="1">
+            <a:off x="14758592" y="29051739"/>
+            <a:ext cx="1081290" cy="1177170"/>
+          </a:xfrm>
+          <a:prstGeom prst="straightConnector1">
+            <a:avLst/>
+          </a:prstGeom>
+          <a:solidFill>
+            <a:schemeClr val="accent1"/>
+          </a:solidFill>
+          <a:ln w="73025" cap="flat" cmpd="sng" algn="ctr">
+            <a:solidFill>
+              <a:schemeClr val="accent4">
+                <a:lumMod val="75000"/>
+              </a:schemeClr>
+            </a:solidFill>
+            <a:prstDash val="solid"/>
+            <a:round/>
+            <a:headEnd type="none" w="med" len="med"/>
+            <a:tailEnd type="triangle" w="lg" len="med"/>
+          </a:ln>
+          <a:effectLst/>
+        </p:spPr>
+      </p:cxnSp>
+      <p:pic>
+        <p:nvPicPr>
+          <p:cNvPr id="23" name="Picture 22"/>
+          <p:cNvPicPr>
+            <a:picLocks noChangeAspect="1"/>
+          </p:cNvPicPr>
+          <p:nvPr/>
+        </p:nvPicPr>
+        <p:blipFill rotWithShape="1">
+          <a:blip r:embed="rId8">
+            <a:extLst>
+              <a:ext uri="{28A0092B-C50C-407E-A947-70E740481C1C}">
+                <a14:useLocalDpi xmlns:a14="http://schemas.microsoft.com/office/drawing/2010/main" val="0"/>
+              </a:ext>
+            </a:extLst>
+          </a:blip>
+          <a:srcRect l="3124" t="7984" r="7228" b="3991"/>
+          <a:stretch/>
+        </p:blipFill>
+        <p:spPr>
           <a:xfrm>
-            <a:off x="13897927" y="26722530"/>
-            <a:ext cx="16565095" cy="7359605"/>
-            <a:chOff x="14410167" y="27528089"/>
-            <a:chExt cx="16565095" cy="7359605"/>
+            <a:off x="8734233" y="25254135"/>
+            <a:ext cx="6101669" cy="5991363"/>
           </a:xfrm>
-        </p:grpSpPr>
-        <p:pic>
-          <p:nvPicPr>
-            <p:cNvPr id="12" name="Picture 11"/>
-            <p:cNvPicPr>
-              <a:picLocks noChangeAspect="1"/>
-            </p:cNvPicPr>
-            <p:nvPr/>
-          </p:nvPicPr>
-          <p:blipFill>
-            <a:blip r:embed="rId12">
-              <a:extLst>
-                <a:ext uri="{28A0092B-C50C-407E-A947-70E740481C1C}">
-                  <a14:useLocalDpi xmlns:a14="http://schemas.microsoft.com/office/drawing/2010/main" val="0"/>
-                </a:ext>
-              </a:extLst>
-            </a:blip>
-            <a:stretch>
-              <a:fillRect/>
-            </a:stretch>
-          </p:blipFill>
-          <p:spPr>
-            <a:xfrm>
-              <a:off x="16895181" y="27735135"/>
-              <a:ext cx="6959949" cy="6959949"/>
-            </a:xfrm>
-            <a:prstGeom prst="rect">
+          <a:prstGeom prst="rect">
+            <a:avLst/>
+          </a:prstGeom>
+        </p:spPr>
+      </p:pic>
+      <p:pic>
+        <p:nvPicPr>
+          <p:cNvPr id="24" name="Picture 23"/>
+          <p:cNvPicPr>
+            <a:picLocks noChangeAspect="1"/>
+          </p:cNvPicPr>
+          <p:nvPr/>
+        </p:nvPicPr>
+        <p:blipFill rotWithShape="1">
+          <a:blip r:embed="rId9">
+            <a:extLst>
+              <a:ext uri="{28A0092B-C50C-407E-A947-70E740481C1C}">
+                <a14:useLocalDpi xmlns:a14="http://schemas.microsoft.com/office/drawing/2010/main" val="0"/>
+              </a:ext>
+            </a:extLst>
+          </a:blip>
+          <a:srcRect l="4094" t="7984" r="7228" b="7058"/>
+          <a:stretch/>
+        </p:blipFill>
+        <p:spPr>
+          <a:xfrm>
+            <a:off x="2276475" y="25254135"/>
+            <a:ext cx="6047970" cy="5794325"/>
+          </a:xfrm>
+          <a:prstGeom prst="rect">
+            <a:avLst/>
+          </a:prstGeom>
+        </p:spPr>
+      </p:pic>
+      <p:pic>
+        <p:nvPicPr>
+          <p:cNvPr id="25" name="Picture 24"/>
+          <p:cNvPicPr>
+            <a:picLocks noChangeAspect="1"/>
+          </p:cNvPicPr>
+          <p:nvPr/>
+        </p:nvPicPr>
+        <p:blipFill rotWithShape="1">
+          <a:blip r:embed="rId10">
+            <a:extLst>
+              <a:ext uri="{28A0092B-C50C-407E-A947-70E740481C1C}">
+                <a14:useLocalDpi xmlns:a14="http://schemas.microsoft.com/office/drawing/2010/main" val="0"/>
+              </a:ext>
+            </a:extLst>
+          </a:blip>
+          <a:srcRect l="10416" t="7984" r="7229" b="9989"/>
+          <a:stretch/>
+        </p:blipFill>
+        <p:spPr>
+          <a:xfrm>
+            <a:off x="17743692" y="24718813"/>
+            <a:ext cx="6460792" cy="6435081"/>
+          </a:xfrm>
+          <a:prstGeom prst="rect">
+            <a:avLst/>
+          </a:prstGeom>
+        </p:spPr>
+      </p:pic>
+      <p:pic>
+        <p:nvPicPr>
+          <p:cNvPr id="26" name="Picture 25"/>
+          <p:cNvPicPr>
+            <a:picLocks noChangeAspect="1"/>
+          </p:cNvPicPr>
+          <p:nvPr/>
+        </p:nvPicPr>
+        <p:blipFill rotWithShape="1">
+          <a:blip r:embed="rId11">
+            <a:extLst>
+              <a:ext uri="{28A0092B-C50C-407E-A947-70E740481C1C}">
+                <a14:useLocalDpi xmlns:a14="http://schemas.microsoft.com/office/drawing/2010/main" val="0"/>
+              </a:ext>
+            </a:extLst>
+          </a:blip>
+          <a:srcRect l="3124" t="7984" r="7228" b="5303"/>
+          <a:stretch/>
+        </p:blipFill>
+        <p:spPr>
+          <a:xfrm>
+            <a:off x="24981313" y="25316665"/>
+            <a:ext cx="5955887" cy="5761029"/>
+          </a:xfrm>
+          <a:prstGeom prst="rect">
+            <a:avLst/>
+          </a:prstGeom>
+        </p:spPr>
+      </p:pic>
+      <p:cxnSp>
+        <p:nvCxnSpPr>
+          <p:cNvPr id="44" name="Straight Arrow Connector 43"/>
+          <p:cNvCxnSpPr/>
+          <p:nvPr/>
+        </p:nvCxnSpPr>
+        <p:spPr bwMode="auto">
+          <a:xfrm flipV="1">
+            <a:off x="2101614" y="29039700"/>
+            <a:ext cx="1041243" cy="352554"/>
+          </a:xfrm>
+          <a:prstGeom prst="straightConnector1">
+            <a:avLst/>
+          </a:prstGeom>
+          <a:solidFill>
+            <a:schemeClr val="accent1"/>
+          </a:solidFill>
+          <a:ln w="73025" cap="flat" cmpd="sng" algn="ctr">
+            <a:solidFill>
+              <a:schemeClr val="accent4">
+                <a:lumMod val="75000"/>
+              </a:schemeClr>
+            </a:solidFill>
+            <a:prstDash val="solid"/>
+            <a:round/>
+            <a:headEnd type="none" w="med" len="med"/>
+            <a:tailEnd type="triangle" w="lg" len="med"/>
+          </a:ln>
+          <a:effectLst/>
+        </p:spPr>
+      </p:cxnSp>
+      <p:sp>
+        <p:nvSpPr>
+          <p:cNvPr id="57" name="Text Box 84"/>
+          <p:cNvSpPr txBox="1">
+            <a:spLocks noChangeArrowheads="1"/>
+          </p:cNvSpPr>
+          <p:nvPr/>
+        </p:nvSpPr>
+        <p:spPr bwMode="auto">
+          <a:xfrm>
+            <a:off x="23898713" y="24157334"/>
+            <a:ext cx="3679657" cy="1077218"/>
+          </a:xfrm>
+          <a:prstGeom prst="rect">
+            <a:avLst/>
+          </a:prstGeom>
+          <a:noFill/>
+          <a:ln w="9525">
+            <a:noFill/>
+            <a:miter lim="800000"/>
+            <a:headEnd/>
+            <a:tailEnd/>
+          </a:ln>
+        </p:spPr>
+        <p:txBody>
+          <a:bodyPr wrap="square">
+            <a:prstTxWarp prst="textNoShape">
               <a:avLst/>
-            </a:prstGeom>
-          </p:spPr>
-        </p:pic>
-        <p:pic>
-          <p:nvPicPr>
-            <p:cNvPr id="13" name="Picture 12"/>
-            <p:cNvPicPr>
-              <a:picLocks noChangeAspect="1"/>
-            </p:cNvPicPr>
-            <p:nvPr/>
-          </p:nvPicPr>
-          <p:blipFill>
-            <a:blip r:embed="rId13">
-              <a:extLst>
-                <a:ext uri="{28A0092B-C50C-407E-A947-70E740481C1C}">
-                  <a14:useLocalDpi xmlns:a14="http://schemas.microsoft.com/office/drawing/2010/main" val="0"/>
-                </a:ext>
-              </a:extLst>
-            </a:blip>
-            <a:stretch>
-              <a:fillRect/>
-            </a:stretch>
-          </p:blipFill>
-          <p:spPr>
-            <a:xfrm>
-              <a:off x="24563451" y="28255822"/>
-              <a:ext cx="5648929" cy="5648929"/>
-            </a:xfrm>
-            <a:prstGeom prst="rect">
+            </a:prstTxWarp>
+            <a:spAutoFit/>
+          </a:bodyPr>
+          <a:lstStyle/>
+          <a:p>
+            <a:pPr>
+              <a:spcBef>
+                <a:spcPct val="50000"/>
+              </a:spcBef>
+            </a:pPr>
+            <a:r>
+              <a:rPr lang="en-US" sz="3200" dirty="0" err="1" smtClean="0">
+                <a:solidFill>
+                  <a:schemeClr val="accent4">
+                    <a:lumMod val="50000"/>
+                  </a:schemeClr>
+                </a:solidFill>
+              </a:rPr>
+              <a:t>Chandar</a:t>
+            </a:r>
+            <a:r>
+              <a:rPr lang="en-US" sz="3200" dirty="0" smtClean="0">
+                <a:solidFill>
+                  <a:schemeClr val="accent4">
+                    <a:lumMod val="50000"/>
+                  </a:schemeClr>
+                </a:solidFill>
+              </a:rPr>
+              <a:t> et al region IDs</a:t>
+            </a:r>
+            <a:endParaRPr lang="en-US" sz="3200" dirty="0">
+              <a:solidFill>
+                <a:schemeClr val="accent4">
+                  <a:lumMod val="50000"/>
+                </a:schemeClr>
+              </a:solidFill>
+            </a:endParaRPr>
+          </a:p>
+        </p:txBody>
+      </p:sp>
+      <p:cxnSp>
+        <p:nvCxnSpPr>
+          <p:cNvPr id="58" name="Straight Arrow Connector 57"/>
+          <p:cNvCxnSpPr/>
+          <p:nvPr/>
+        </p:nvCxnSpPr>
+        <p:spPr bwMode="auto">
+          <a:xfrm>
+            <a:off x="24981313" y="25502994"/>
+            <a:ext cx="1038237" cy="552951"/>
+          </a:xfrm>
+          <a:prstGeom prst="straightConnector1">
+            <a:avLst/>
+          </a:prstGeom>
+          <a:solidFill>
+            <a:schemeClr val="accent1"/>
+          </a:solidFill>
+          <a:ln w="73025" cap="flat" cmpd="sng" algn="ctr">
+            <a:solidFill>
+              <a:schemeClr val="accent4">
+                <a:lumMod val="75000"/>
+              </a:schemeClr>
+            </a:solidFill>
+            <a:prstDash val="solid"/>
+            <a:round/>
+            <a:headEnd type="none" w="med" len="med"/>
+            <a:tailEnd type="triangle" w="lg" len="med"/>
+          </a:ln>
+          <a:effectLst/>
+        </p:spPr>
+      </p:cxnSp>
+      <p:sp>
+        <p:nvSpPr>
+          <p:cNvPr id="50" name="Parallelogram 49"/>
+          <p:cNvSpPr/>
+          <p:nvPr/>
+        </p:nvSpPr>
+        <p:spPr bwMode="auto">
+          <a:xfrm rot="5645401">
+            <a:off x="22861080" y="7908434"/>
+            <a:ext cx="4610476" cy="3539720"/>
+          </a:xfrm>
+          <a:prstGeom prst="parallelogram">
+            <a:avLst>
+              <a:gd name="adj" fmla="val 13793"/>
+            </a:avLst>
+          </a:prstGeom>
+          <a:noFill/>
+          <a:ln w="47625" cap="flat" cmpd="sng" algn="ctr">
+            <a:solidFill>
+              <a:srgbClr val="FFC000"/>
+            </a:solidFill>
+            <a:prstDash val="solid"/>
+            <a:round/>
+            <a:headEnd type="none" w="med" len="med"/>
+            <a:tailEnd type="triangle" w="lg" len="med"/>
+          </a:ln>
+          <a:effectLst/>
+        </p:spPr>
+        <p:txBody>
+          <a:bodyPr vert="horz" wrap="square" lIns="91440" tIns="45720" rIns="91440" bIns="45720" numCol="1" rtlCol="0" anchor="t" anchorCtr="0" compatLnSpc="1">
+            <a:prstTxWarp prst="textNoShape">
               <a:avLst/>
-            </a:prstGeom>
-          </p:spPr>
-        </p:pic>
-        <p:sp>
-          <p:nvSpPr>
-            <p:cNvPr id="40" name="Text Box 84"/>
-            <p:cNvSpPr txBox="1">
-              <a:spLocks noChangeArrowheads="1"/>
-            </p:cNvSpPr>
-            <p:nvPr/>
-          </p:nvSpPr>
-          <p:spPr bwMode="auto">
-            <a:xfrm>
-              <a:off x="17144627" y="34179808"/>
-              <a:ext cx="12714250" cy="707886"/>
-            </a:xfrm>
-            <a:prstGeom prst="rect">
+            </a:prstTxWarp>
+          </a:bodyPr>
+          <a:lstStyle/>
+          <a:p>
+            <a:pPr marL="0" marR="0" indent="0" algn="l" defTabSz="914400" rtl="0" eaLnBrk="0" fontAlgn="base" latinLnBrk="0" hangingPunct="0">
+              <a:lnSpc>
+                <a:spcPct val="100000"/>
+              </a:lnSpc>
+              <a:spcBef>
+                <a:spcPct val="0"/>
+              </a:spcBef>
+              <a:spcAft>
+                <a:spcPct val="0"/>
+              </a:spcAft>
+              <a:buClrTx/>
+              <a:buSzTx/>
+              <a:buFontTx/>
+              <a:buNone/>
+              <a:tabLst/>
+            </a:pPr>
+            <a:endParaRPr kumimoji="0" lang="en-US" sz="4000" b="0" i="0" u="none" strike="noStrike" cap="none" normalizeH="0" baseline="0">
+              <a:ln>
+                <a:noFill/>
+              </a:ln>
+              <a:solidFill>
+                <a:schemeClr val="bg2"/>
+              </a:solidFill>
+              <a:effectLst/>
+              <a:latin typeface="Tahoma" pitchFamily="-65" charset="0"/>
+            </a:endParaRPr>
+          </a:p>
+        </p:txBody>
+      </p:sp>
+      <p:cxnSp>
+        <p:nvCxnSpPr>
+          <p:cNvPr id="62" name="Straight Arrow Connector 61"/>
+          <p:cNvCxnSpPr/>
+          <p:nvPr/>
+        </p:nvCxnSpPr>
+        <p:spPr bwMode="auto">
+          <a:xfrm flipV="1">
+            <a:off x="22936200" y="14981487"/>
+            <a:ext cx="1268284" cy="3981081"/>
+          </a:xfrm>
+          <a:prstGeom prst="straightConnector1">
+            <a:avLst/>
+          </a:prstGeom>
+          <a:solidFill>
+            <a:schemeClr val="accent1"/>
+          </a:solidFill>
+          <a:ln w="73025" cap="flat" cmpd="sng" algn="ctr">
+            <a:solidFill>
+              <a:srgbClr val="FFC000"/>
+            </a:solidFill>
+            <a:prstDash val="solid"/>
+            <a:round/>
+            <a:headEnd type="none" w="med" len="med"/>
+            <a:tailEnd type="triangle" w="lg" len="med"/>
+          </a:ln>
+          <a:effectLst/>
+        </p:spPr>
+      </p:cxnSp>
+      <p:pic>
+        <p:nvPicPr>
+          <p:cNvPr id="59" name="Picture 58"/>
+          <p:cNvPicPr>
+            <a:picLocks noChangeAspect="1"/>
+          </p:cNvPicPr>
+          <p:nvPr/>
+        </p:nvPicPr>
+        <p:blipFill>
+          <a:blip r:embed="rId12">
+            <a:extLst>
+              <a:ext uri="{28A0092B-C50C-407E-A947-70E740481C1C}">
+                <a14:useLocalDpi xmlns:a14="http://schemas.microsoft.com/office/drawing/2010/main" val="0"/>
+              </a:ext>
+            </a:extLst>
+          </a:blip>
+          <a:stretch>
+            <a:fillRect/>
+          </a:stretch>
+        </p:blipFill>
+        <p:spPr>
+          <a:xfrm>
+            <a:off x="828261" y="1128273"/>
+            <a:ext cx="4886739" cy="1168787"/>
+          </a:xfrm>
+          <a:prstGeom prst="rect">
+            <a:avLst/>
+          </a:prstGeom>
+        </p:spPr>
+      </p:pic>
+      <p:pic>
+        <p:nvPicPr>
+          <p:cNvPr id="15368" name="Picture 15367"/>
+          <p:cNvPicPr>
+            <a:picLocks noChangeAspect="1"/>
+          </p:cNvPicPr>
+          <p:nvPr/>
+        </p:nvPicPr>
+        <p:blipFill rotWithShape="1">
+          <a:blip r:embed="rId13">
+            <a:extLst>
+              <a:ext uri="{28A0092B-C50C-407E-A947-70E740481C1C}">
+                <a14:useLocalDpi xmlns:a14="http://schemas.microsoft.com/office/drawing/2010/main" val="0"/>
+              </a:ext>
+            </a:extLst>
+          </a:blip>
+          <a:srcRect t="7277" r="6509"/>
+          <a:stretch/>
+        </p:blipFill>
+        <p:spPr>
+          <a:xfrm>
+            <a:off x="1798982" y="35293179"/>
+            <a:ext cx="8635456" cy="5709626"/>
+          </a:xfrm>
+          <a:prstGeom prst="rect">
+            <a:avLst/>
+          </a:prstGeom>
+        </p:spPr>
+      </p:pic>
+      <p:sp>
+        <p:nvSpPr>
+          <p:cNvPr id="76" name="Text Box 84"/>
+          <p:cNvSpPr txBox="1">
+            <a:spLocks noChangeArrowheads="1"/>
+          </p:cNvSpPr>
+          <p:nvPr/>
+        </p:nvSpPr>
+        <p:spPr bwMode="auto">
+          <a:xfrm rot="16200000">
+            <a:off x="852889" y="37256385"/>
+            <a:ext cx="1951820" cy="523220"/>
+          </a:xfrm>
+          <a:prstGeom prst="rect">
+            <a:avLst/>
+          </a:prstGeom>
+          <a:solidFill>
+            <a:schemeClr val="tx1"/>
+          </a:solidFill>
+          <a:ln w="9525">
+            <a:noFill/>
+            <a:miter lim="800000"/>
+            <a:headEnd/>
+            <a:tailEnd/>
+          </a:ln>
+        </p:spPr>
+        <p:txBody>
+          <a:bodyPr wrap="square">
+            <a:prstTxWarp prst="textNoShape">
               <a:avLst/>
-            </a:prstGeom>
-            <a:noFill/>
-            <a:ln w="9525">
-              <a:noFill/>
-              <a:miter lim="800000"/>
-              <a:headEnd/>
-              <a:tailEnd/>
-            </a:ln>
-          </p:spPr>
-          <p:txBody>
-            <a:bodyPr wrap="square">
-              <a:prstTxWarp prst="textNoShape">
-                <a:avLst/>
-              </a:prstTxWarp>
-              <a:spAutoFit/>
-            </a:bodyPr>
-            <a:lstStyle/>
-            <a:p>
-              <a:pPr>
-                <a:spcBef>
-                  <a:spcPct val="50000"/>
-                </a:spcBef>
-              </a:pPr>
-              <a:r>
-                <a:rPr lang="en-US" b="1" dirty="0">
-                  <a:solidFill>
-                    <a:srgbClr val="FF0000"/>
-                  </a:solidFill>
-                </a:rPr>
-                <a:t>2</a:t>
-              </a:r>
-              <a:r>
-                <a:rPr lang="en-US" b="1" dirty="0" smtClean="0">
-                  <a:solidFill>
-                    <a:srgbClr val="FF0000"/>
-                  </a:solidFill>
-                </a:rPr>
-                <a:t>-D versus 3-D </a:t>
-              </a:r>
-              <a:r>
-                <a:rPr lang="en-US" b="1" dirty="0" err="1" smtClean="0">
-                  <a:solidFill>
-                    <a:srgbClr val="FF0000"/>
-                  </a:solidFill>
-                </a:rPr>
-                <a:t>colour</a:t>
-              </a:r>
-              <a:r>
-                <a:rPr lang="en-US" b="1" dirty="0" smtClean="0">
-                  <a:solidFill>
-                    <a:srgbClr val="FF0000"/>
-                  </a:solidFill>
-                </a:rPr>
-                <a:t> space sometimes matters</a:t>
-              </a:r>
-              <a:endParaRPr lang="en-US" b="1" dirty="0">
+            </a:prstTxWarp>
+            <a:spAutoFit/>
+          </a:bodyPr>
+          <a:lstStyle/>
+          <a:p>
+            <a:pPr>
+              <a:spcBef>
+                <a:spcPct val="50000"/>
+              </a:spcBef>
+            </a:pPr>
+            <a:r>
+              <a:rPr lang="en-US" sz="2800" b="1" dirty="0" smtClean="0">
                 <a:solidFill>
-                  <a:srgbClr val="FF0000"/>
+                  <a:schemeClr val="bg2">
+                    <a:lumMod val="95000"/>
+                    <a:lumOff val="5000"/>
+                  </a:schemeClr>
                 </a:solidFill>
-              </a:endParaRPr>
-            </a:p>
-          </p:txBody>
-        </p:sp>
-        <p:sp>
-          <p:nvSpPr>
-            <p:cNvPr id="41" name="Text Box 84"/>
-            <p:cNvSpPr txBox="1">
-              <a:spLocks noChangeArrowheads="1"/>
-            </p:cNvSpPr>
-            <p:nvPr/>
-          </p:nvSpPr>
-          <p:spPr bwMode="auto">
-            <a:xfrm>
-              <a:off x="21993789" y="27528089"/>
-              <a:ext cx="8981473" cy="1077218"/>
-            </a:xfrm>
-            <a:prstGeom prst="rect">
-              <a:avLst/>
-            </a:prstGeom>
-            <a:noFill/>
-            <a:ln w="9525">
-              <a:noFill/>
-              <a:miter lim="800000"/>
-              <a:headEnd/>
-              <a:tailEnd/>
-            </a:ln>
-          </p:spPr>
-          <p:txBody>
-            <a:bodyPr wrap="square">
-              <a:prstTxWarp prst="textNoShape">
-                <a:avLst/>
-              </a:prstTxWarp>
-              <a:spAutoFit/>
-            </a:bodyPr>
-            <a:lstStyle/>
-            <a:p>
-              <a:pPr>
-                <a:spcBef>
-                  <a:spcPct val="50000"/>
-                </a:spcBef>
-              </a:pPr>
-              <a:r>
-                <a:rPr lang="en-US" sz="3200" dirty="0" smtClean="0"/>
-                <a:t>Projection of K-Means </a:t>
-              </a:r>
-              <a:r>
-                <a:rPr lang="en-US" sz="3200" dirty="0" smtClean="0"/>
-                <a:t>K=4 3D </a:t>
-              </a:r>
-              <a:r>
-                <a:rPr lang="en-US" sz="3200" dirty="0"/>
-                <a:t>segmentation (compare to above) </a:t>
-              </a:r>
-              <a:endParaRPr lang="en-US" sz="3200" dirty="0"/>
-            </a:p>
-          </p:txBody>
-        </p:sp>
-        <p:sp>
-          <p:nvSpPr>
-            <p:cNvPr id="32" name="Text Box 84"/>
-            <p:cNvSpPr txBox="1">
-              <a:spLocks noChangeArrowheads="1"/>
-            </p:cNvSpPr>
-            <p:nvPr/>
-          </p:nvSpPr>
-          <p:spPr bwMode="auto">
-            <a:xfrm>
-              <a:off x="14410167" y="32063324"/>
-              <a:ext cx="3409604" cy="1077218"/>
-            </a:xfrm>
-            <a:prstGeom prst="rect">
-              <a:avLst/>
-            </a:prstGeom>
-            <a:noFill/>
-            <a:ln w="9525">
-              <a:noFill/>
-              <a:miter lim="800000"/>
-              <a:headEnd/>
-              <a:tailEnd/>
-            </a:ln>
-          </p:spPr>
-          <p:txBody>
-            <a:bodyPr wrap="square">
-              <a:prstTxWarp prst="textNoShape">
-                <a:avLst/>
-              </a:prstTxWarp>
-              <a:spAutoFit/>
-            </a:bodyPr>
-            <a:lstStyle/>
-            <a:p>
-              <a:pPr>
-                <a:spcBef>
-                  <a:spcPct val="50000"/>
-                </a:spcBef>
-              </a:pPr>
-              <a:r>
-                <a:rPr lang="en-US" sz="3200" dirty="0" smtClean="0"/>
-                <a:t>K-Means K=4 </a:t>
-              </a:r>
-              <a:r>
-                <a:rPr lang="en-US" sz="3200" smtClean="0"/>
-                <a:t>3D segmentation</a:t>
-              </a:r>
-              <a:endParaRPr lang="en-US" sz="3200" dirty="0"/>
-            </a:p>
-          </p:txBody>
-        </p:sp>
-      </p:grpSp>
+              </a:rPr>
+              <a:t>U-B</a:t>
+            </a:r>
+            <a:endParaRPr lang="en-US" sz="2800" b="1" dirty="0">
+              <a:solidFill>
+                <a:schemeClr val="bg2">
+                  <a:lumMod val="95000"/>
+                  <a:lumOff val="5000"/>
+                </a:schemeClr>
+              </a:solidFill>
+            </a:endParaRPr>
+          </a:p>
+        </p:txBody>
+      </p:sp>
     </p:spTree>
   </p:cSld>
   <p:clrMapOvr>
     <a:masterClrMapping/>
   </p:clrMapOvr>
-  <p:timing>
-    <p:tnLst>
-      <p:par>
-        <p:cTn id="1" dur="indefinite" restart="never" nodeType="tmRoot"/>
-      </p:par>
-    </p:tnLst>
-  </p:timing>
 </p:sld>
 </file>
 

--- a/conference_poster/casca2017_pbarmby.pptx
+++ b/conference_poster/casca2017_pbarmby.pptx
@@ -4344,13 +4344,6 @@
               <a:rPr lang="en-US" sz="10900" dirty="0"/>
               <a:t>Deconstructing M83:</a:t>
             </a:r>
-            <a:r>
-              <a:rPr lang="en-US" sz="10900" dirty="0">
-                <a:ea typeface="ＭＳ Ｐゴシック" charset="-128"/>
-                <a:cs typeface="ＭＳ Ｐゴシック" charset="-128"/>
-              </a:rPr>
-              <a:t/>
-            </a:r>
             <a:br>
               <a:rPr lang="en-US" sz="10900" dirty="0">
                 <a:ea typeface="ＭＳ Ｐゴシック" charset="-128"/>
@@ -4800,26 +4793,10 @@
                 <a:ea typeface="ＭＳ Ｐゴシック" pitchFamily="-109" charset="-128"/>
                 <a:cs typeface="ＭＳ Ｐゴシック" pitchFamily="-109" charset="-128"/>
               </a:rPr>
-              <a:t>We acknowledge financial support from NSERC and the efforts of the WFC3 SOC in conducting the ERS program. This research has </a:t>
-            </a:r>
-            <a:r>
-              <a:rPr lang="en-US" sz="2400" dirty="0" smtClean="0">
-                <a:latin typeface="Tahoma" pitchFamily="-109" charset="0"/>
-                <a:ea typeface="ＭＳ Ｐゴシック" pitchFamily="-109" charset="-128"/>
-                <a:cs typeface="ＭＳ Ｐゴシック" pitchFamily="-109" charset="-128"/>
-              </a:rPr>
-              <a:t>used NED, SIMBAD</a:t>
-            </a:r>
-            <a:r>
-              <a:rPr lang="en-US" sz="2400" dirty="0" smtClean="0">
-                <a:latin typeface="Tahoma" pitchFamily="-109" charset="0"/>
-                <a:ea typeface="ＭＳ Ｐゴシック" pitchFamily="-109" charset="-128"/>
-                <a:cs typeface="ＭＳ Ｐゴシック" pitchFamily="-109" charset="-128"/>
-              </a:rPr>
-              <a:t>, </a:t>
-            </a:r>
-            <a:r>
-              <a:rPr lang="en-US" sz="2400" dirty="0" err="1" smtClean="0">
+              <a:t>We acknowledge financial support from NSERC and the efforts of the WFC3 SOC in conducting the ERS program. This research has used NED, SIMBAD, </a:t>
+            </a:r>
+            <a:r>
+              <a:rPr lang="en-US" sz="2400" dirty="0" err="1">
                 <a:latin typeface="Tahoma" pitchFamily="-109" charset="0"/>
                 <a:ea typeface="ＭＳ Ｐゴシック" pitchFamily="-109" charset="-128"/>
                 <a:cs typeface="ＭＳ Ｐゴシック" pitchFamily="-109" charset="-128"/>
@@ -4827,7 +4804,7 @@
               <a:t>Scipy</a:t>
             </a:r>
             <a:r>
-              <a:rPr lang="en-US" sz="2400" dirty="0" smtClean="0">
+              <a:rPr lang="en-US" sz="2400" dirty="0">
                 <a:latin typeface="Tahoma" pitchFamily="-109" charset="0"/>
                 <a:ea typeface="ＭＳ Ｐゴシック" pitchFamily="-109" charset="-128"/>
                 <a:cs typeface="ＭＳ Ｐゴシック" pitchFamily="-109" charset="-128"/>
@@ -4835,7 +4812,7 @@
               <a:t> and </a:t>
             </a:r>
             <a:r>
-              <a:rPr lang="en-US" sz="2400" dirty="0" err="1" smtClean="0">
+              <a:rPr lang="en-US" sz="2400" dirty="0" err="1">
                 <a:latin typeface="Tahoma" pitchFamily="-109" charset="0"/>
                 <a:ea typeface="ＭＳ Ｐゴシック" pitchFamily="-109" charset="-128"/>
                 <a:cs typeface="ＭＳ Ｐゴシック" pitchFamily="-109" charset="-128"/>
@@ -4843,7 +4820,7 @@
               <a:t>Astropy</a:t>
             </a:r>
             <a:r>
-              <a:rPr lang="en-US" sz="2400" smtClean="0">
+              <a:rPr lang="en-US" sz="2400">
                 <a:latin typeface="Tahoma" pitchFamily="-109" charset="0"/>
                 <a:ea typeface="ＭＳ Ｐゴシック" pitchFamily="-109" charset="-128"/>
                 <a:cs typeface="ＭＳ Ｐゴシック" pitchFamily="-109" charset="-128"/>
@@ -5026,36 +5003,6 @@
           <a:xfrm>
             <a:off x="29413200" y="807555"/>
             <a:ext cx="1564639" cy="2040834"/>
-          </a:xfrm>
-          <a:prstGeom prst="rect">
-            <a:avLst/>
-          </a:prstGeom>
-        </p:spPr>
-      </p:pic>
-      <p:pic>
-        <p:nvPicPr>
-          <p:cNvPr id="4" name="Picture 3"/>
-          <p:cNvPicPr>
-            <a:picLocks noChangeAspect="1"/>
-          </p:cNvPicPr>
-          <p:nvPr/>
-        </p:nvPicPr>
-        <p:blipFill>
-          <a:blip r:embed="rId5">
-            <a:extLst>
-              <a:ext uri="{28A0092B-C50C-407E-A947-70E740481C1C}">
-                <a14:useLocalDpi xmlns:a14="http://schemas.microsoft.com/office/drawing/2010/main" val="0"/>
-              </a:ext>
-            </a:extLst>
-          </a:blip>
-          <a:stretch>
-            <a:fillRect/>
-          </a:stretch>
-        </p:blipFill>
-        <p:spPr>
-          <a:xfrm>
-            <a:off x="20137119" y="7197278"/>
-            <a:ext cx="10058400" cy="6546342"/>
           </a:xfrm>
           <a:prstGeom prst="rect">
             <a:avLst/>
@@ -5090,21 +5037,21 @@
                 <a:gridCol w="2007619">
                   <a:extLst>
                     <a:ext uri="{9D8B030D-6E8A-4147-A177-3AD203B41FA5}">
-                      <a16:colId xmlns="" xmlns:a16="http://schemas.microsoft.com/office/drawing/2014/main" val="20000"/>
+                      <a16:colId xmlns:a16="http://schemas.microsoft.com/office/drawing/2014/main" val="20000"/>
                     </a:ext>
                   </a:extLst>
                 </a:gridCol>
                 <a:gridCol w="2007619">
                   <a:extLst>
                     <a:ext uri="{9D8B030D-6E8A-4147-A177-3AD203B41FA5}">
-                      <a16:colId xmlns="" xmlns:a16="http://schemas.microsoft.com/office/drawing/2014/main" val="20001"/>
+                      <a16:colId xmlns:a16="http://schemas.microsoft.com/office/drawing/2014/main" val="20001"/>
                     </a:ext>
                   </a:extLst>
                 </a:gridCol>
                 <a:gridCol w="2007619">
                   <a:extLst>
                     <a:ext uri="{9D8B030D-6E8A-4147-A177-3AD203B41FA5}">
-                      <a16:colId xmlns="" xmlns:a16="http://schemas.microsoft.com/office/drawing/2014/main" val="20002"/>
+                      <a16:colId xmlns:a16="http://schemas.microsoft.com/office/drawing/2014/main" val="20002"/>
                     </a:ext>
                   </a:extLst>
                 </a:gridCol>
@@ -5163,7 +5110,7 @@
                 </a:tc>
                 <a:extLst>
                   <a:ext uri="{0D108BD9-81ED-4DB2-BD59-A6C34878D82A}">
-                    <a16:rowId xmlns="" xmlns:a16="http://schemas.microsoft.com/office/drawing/2014/main" val="10000"/>
+                    <a16:rowId xmlns:a16="http://schemas.microsoft.com/office/drawing/2014/main" val="10000"/>
                   </a:ext>
                 </a:extLst>
               </a:tr>
@@ -5209,7 +5156,7 @@
                 </a:tc>
                 <a:extLst>
                   <a:ext uri="{0D108BD9-81ED-4DB2-BD59-A6C34878D82A}">
-                    <a16:rowId xmlns="" xmlns:a16="http://schemas.microsoft.com/office/drawing/2014/main" val="10001"/>
+                    <a16:rowId xmlns:a16="http://schemas.microsoft.com/office/drawing/2014/main" val="10001"/>
                   </a:ext>
                 </a:extLst>
               </a:tr>
@@ -5255,7 +5202,7 @@
                 </a:tc>
                 <a:extLst>
                   <a:ext uri="{0D108BD9-81ED-4DB2-BD59-A6C34878D82A}">
-                    <a16:rowId xmlns="" xmlns:a16="http://schemas.microsoft.com/office/drawing/2014/main" val="10002"/>
+                    <a16:rowId xmlns:a16="http://schemas.microsoft.com/office/drawing/2014/main" val="10002"/>
                   </a:ext>
                 </a:extLst>
               </a:tr>
@@ -5301,7 +5248,7 @@
                 </a:tc>
                 <a:extLst>
                   <a:ext uri="{0D108BD9-81ED-4DB2-BD59-A6C34878D82A}">
-                    <a16:rowId xmlns="" xmlns:a16="http://schemas.microsoft.com/office/drawing/2014/main" val="10003"/>
+                    <a16:rowId xmlns:a16="http://schemas.microsoft.com/office/drawing/2014/main" val="10003"/>
                   </a:ext>
                 </a:extLst>
               </a:tr>
@@ -5347,7 +5294,7 @@
                 </a:tc>
                 <a:extLst>
                   <a:ext uri="{0D108BD9-81ED-4DB2-BD59-A6C34878D82A}">
-                    <a16:rowId xmlns="" xmlns:a16="http://schemas.microsoft.com/office/drawing/2014/main" val="10004"/>
+                    <a16:rowId xmlns:a16="http://schemas.microsoft.com/office/drawing/2014/main" val="10004"/>
                   </a:ext>
                 </a:extLst>
               </a:tr>
@@ -5393,7 +5340,7 @@
                 </a:tc>
                 <a:extLst>
                   <a:ext uri="{0D108BD9-81ED-4DB2-BD59-A6C34878D82A}">
-                    <a16:rowId xmlns="" xmlns:a16="http://schemas.microsoft.com/office/drawing/2014/main" val="10005"/>
+                    <a16:rowId xmlns:a16="http://schemas.microsoft.com/office/drawing/2014/main" val="10005"/>
                   </a:ext>
                 </a:extLst>
               </a:tr>
@@ -5439,7 +5386,7 @@
                 </a:tc>
                 <a:extLst>
                   <a:ext uri="{0D108BD9-81ED-4DB2-BD59-A6C34878D82A}">
-                    <a16:rowId xmlns="" xmlns:a16="http://schemas.microsoft.com/office/drawing/2014/main" val="10006"/>
+                    <a16:rowId xmlns:a16="http://schemas.microsoft.com/office/drawing/2014/main" val="10006"/>
                   </a:ext>
                 </a:extLst>
               </a:tr>
@@ -5485,7 +5432,7 @@
                 </a:tc>
                 <a:extLst>
                   <a:ext uri="{0D108BD9-81ED-4DB2-BD59-A6C34878D82A}">
-                    <a16:rowId xmlns="" xmlns:a16="http://schemas.microsoft.com/office/drawing/2014/main" val="10007"/>
+                    <a16:rowId xmlns:a16="http://schemas.microsoft.com/office/drawing/2014/main" val="10007"/>
                   </a:ext>
                 </a:extLst>
               </a:tr>
@@ -5531,7 +5478,7 @@
                 </a:tc>
                 <a:extLst>
                   <a:ext uri="{0D108BD9-81ED-4DB2-BD59-A6C34878D82A}">
-                    <a16:rowId xmlns="" xmlns:a16="http://schemas.microsoft.com/office/drawing/2014/main" val="10008"/>
+                    <a16:rowId xmlns:a16="http://schemas.microsoft.com/office/drawing/2014/main" val="10008"/>
                   </a:ext>
                 </a:extLst>
               </a:tr>
@@ -5577,7 +5524,7 @@
                 </a:tc>
                 <a:extLst>
                   <a:ext uri="{0D108BD9-81ED-4DB2-BD59-A6C34878D82A}">
-                    <a16:rowId xmlns="" xmlns:a16="http://schemas.microsoft.com/office/drawing/2014/main" val="10009"/>
+                    <a16:rowId xmlns:a16="http://schemas.microsoft.com/office/drawing/2014/main" val="10009"/>
                   </a:ext>
                 </a:extLst>
               </a:tr>
@@ -5623,7 +5570,7 @@
                 </a:tc>
                 <a:extLst>
                   <a:ext uri="{0D108BD9-81ED-4DB2-BD59-A6C34878D82A}">
-                    <a16:rowId xmlns="" xmlns:a16="http://schemas.microsoft.com/office/drawing/2014/main" val="10010"/>
+                    <a16:rowId xmlns:a16="http://schemas.microsoft.com/office/drawing/2014/main" val="10010"/>
                   </a:ext>
                 </a:extLst>
               </a:tr>
@@ -5654,7 +5601,7 @@
             <p:nvPr/>
           </p:nvPicPr>
           <p:blipFill rotWithShape="1">
-            <a:blip r:embed="rId6">
+            <a:blip r:embed="rId5">
               <a:extLst>
                 <a:ext uri="{28A0092B-C50C-407E-A947-70E740481C1C}">
                   <a14:useLocalDpi xmlns:a14="http://schemas.microsoft.com/office/drawing/2010/main" val="0"/>
@@ -5683,7 +5630,7 @@
             <p:nvPr/>
           </p:nvPicPr>
           <p:blipFill rotWithShape="1">
-            <a:blip r:embed="rId7">
+            <a:blip r:embed="rId6">
               <a:extLst>
                 <a:ext uri="{28A0092B-C50C-407E-A947-70E740481C1C}">
                   <a14:useLocalDpi xmlns:a14="http://schemas.microsoft.com/office/drawing/2010/main" val="0"/>
@@ -5771,45 +5718,32 @@
               </a:r>
               <a:r>
                 <a:rPr lang="en-US" sz="3200" dirty="0"/>
-                <a:t>. Red line is super-solar </a:t>
+                <a:t>. Red line is super-solar SSP model from FSPS (Conroy et al. 2009), ages 10</a:t>
               </a:r>
               <a:r>
-                <a:rPr lang="en-US" sz="3200" dirty="0" smtClean="0"/>
-                <a:t>SSP model </a:t>
+                <a:rPr lang="en-US" sz="3200" baseline="30000" dirty="0"/>
+                <a:t>5</a:t>
               </a:r>
               <a:r>
                 <a:rPr lang="en-US" sz="3200" dirty="0"/>
-                <a:t>from FSPS (Conroy et al. 2009), </a:t>
-              </a:r>
-              <a:r>
-                <a:rPr lang="en-US" sz="3200" dirty="0" smtClean="0"/>
-                <a:t>ages 10</a:t>
-              </a:r>
-              <a:r>
-                <a:rPr lang="en-US" sz="3200" baseline="30000" dirty="0" smtClean="0"/>
-                <a:t>5</a:t>
-              </a:r>
-              <a:r>
-                <a:rPr lang="en-US" sz="3200" dirty="0" smtClean="0"/>
                 <a:t> </a:t>
               </a:r>
               <a:r>
-                <a:rPr lang="en-US" sz="3200" dirty="0" err="1" smtClean="0"/>
+                <a:rPr lang="en-US" sz="3200" dirty="0" err="1"/>
                 <a:t>yr</a:t>
               </a:r>
               <a:r>
-                <a:rPr lang="en-US" sz="3200" dirty="0" smtClean="0"/>
+                <a:rPr lang="en-US" sz="3200" dirty="0"/>
                 <a:t> (red circle)-10</a:t>
               </a:r>
               <a:r>
-                <a:rPr lang="en-US" sz="3200" baseline="30000" dirty="0" smtClean="0"/>
+                <a:rPr lang="en-US" sz="3200" baseline="30000" dirty="0"/>
                 <a:t>10.3</a:t>
               </a:r>
               <a:r>
-                <a:rPr lang="en-US" sz="3200" dirty="0" smtClean="0"/>
+                <a:rPr lang="en-US" sz="3200" dirty="0"/>
                 <a:t> yr.</a:t>
               </a:r>
-              <a:endParaRPr lang="en-US" sz="3200" dirty="0"/>
             </a:p>
           </p:txBody>
         </p:sp>
@@ -5973,7 +5907,7 @@
                 </a:spcBef>
               </a:pPr>
               <a:r>
-                <a:rPr lang="en-US" b="1" dirty="0" err="1" smtClean="0">
+                <a:rPr lang="en-US" b="1" dirty="0" err="1">
                   <a:solidFill>
                     <a:srgbClr val="FF0000"/>
                   </a:solidFill>
@@ -5981,18 +5915,13 @@
                 <a:t>Colour</a:t>
               </a:r>
               <a:r>
-                <a:rPr lang="en-US" b="1" dirty="0" smtClean="0">
+                <a:rPr lang="en-US" b="1" dirty="0">
                   <a:solidFill>
                     <a:srgbClr val="FF0000"/>
                   </a:solidFill>
                 </a:rPr>
                 <a:t> space dimensions matter: UBVI 3D results, 4 clusters</a:t>
               </a:r>
-              <a:endParaRPr lang="en-US" b="1" dirty="0">
-                <a:solidFill>
-                  <a:srgbClr val="FF0000"/>
-                </a:solidFill>
-              </a:endParaRPr>
             </a:p>
           </p:txBody>
         </p:sp>
@@ -6036,15 +5965,7 @@
               </a:pPr>
               <a:r>
                 <a:rPr lang="en-US" sz="3200" dirty="0"/>
-                <a:t>Projection of K-Means K=4 3D segmentation (compare </a:t>
-              </a:r>
-              <a:r>
-                <a:rPr lang="en-US" sz="3200" dirty="0" smtClean="0"/>
-                <a:t>to 2D, left</a:t>
-              </a:r>
-              <a:r>
-                <a:rPr lang="en-US" sz="3200" dirty="0"/>
-                <a:t>) </a:t>
+                <a:t>Projection of K-Means K=4 3D segmentation (compare to 2D, left) </a:t>
               </a:r>
             </a:p>
           </p:txBody>
@@ -6153,21 +6074,8 @@
                     <a:srgbClr val="FF0000"/>
                   </a:solidFill>
                 </a:rPr>
-                <a:t>Clustering algorithm </a:t>
+                <a:t>Clustering algorithm matters: UBVI 2D results, 5 clusters</a:t>
               </a:r>
-              <a:r>
-                <a:rPr lang="en-US" b="1" dirty="0" smtClean="0">
-                  <a:solidFill>
-                    <a:srgbClr val="FF0000"/>
-                  </a:solidFill>
-                </a:rPr>
-                <a:t>matters: UBVI 2D results, 5 clusters</a:t>
-              </a:r>
-              <a:endParaRPr lang="en-US" b="1" dirty="0">
-                <a:solidFill>
-                  <a:srgbClr val="FF0000"/>
-                </a:solidFill>
-              </a:endParaRPr>
             </a:p>
           </p:txBody>
         </p:sp>
@@ -6211,21 +6119,8 @@
               </a:pPr>
               <a:r>
                 <a:rPr lang="en-US" sz="3200" dirty="0"/>
-                <a:t>Mean </a:t>
+                <a:t>Mean Shift: mostly one big cluster</a:t>
               </a:r>
-              <a:r>
-                <a:rPr lang="en-US" sz="3200" dirty="0" smtClean="0"/>
-                <a:t>Shift: mostly one </a:t>
-              </a:r>
-              <a:r>
-                <a:rPr lang="en-US" sz="3200" dirty="0"/>
-                <a:t>big </a:t>
-              </a:r>
-              <a:r>
-                <a:rPr lang="en-US" sz="3200" dirty="0" smtClean="0"/>
-                <a:t>cluster</a:t>
-              </a:r>
-              <a:endParaRPr lang="en-US" sz="3200" dirty="0"/>
             </a:p>
           </p:txBody>
         </p:sp>
@@ -6268,12 +6163,8 @@
                 </a:spcBef>
               </a:pPr>
               <a:r>
-                <a:rPr lang="en-US" sz="3200" dirty="0" smtClean="0"/>
-                <a:t>K-Means: comparably-sized </a:t>
-              </a:r>
-              <a:r>
                 <a:rPr lang="en-US" sz="3200" dirty="0"/>
-                <a:t>clusters</a:t>
+                <a:t>K-Means: comparably-sized clusters</a:t>
               </a:r>
             </a:p>
           </p:txBody>
@@ -6469,7 +6360,7 @@
           <p:nvPr/>
         </p:nvPicPr>
         <p:blipFill rotWithShape="1">
-          <a:blip r:embed="rId8">
+          <a:blip r:embed="rId7">
             <a:extLst>
               <a:ext uri="{28A0092B-C50C-407E-A947-70E740481C1C}">
                 <a14:useLocalDpi xmlns:a14="http://schemas.microsoft.com/office/drawing/2010/main" val="0"/>
@@ -6498,7 +6389,7 @@
           <p:nvPr/>
         </p:nvPicPr>
         <p:blipFill rotWithShape="1">
-          <a:blip r:embed="rId9">
+          <a:blip r:embed="rId8">
             <a:extLst>
               <a:ext uri="{28A0092B-C50C-407E-A947-70E740481C1C}">
                 <a14:useLocalDpi xmlns:a14="http://schemas.microsoft.com/office/drawing/2010/main" val="0"/>
@@ -6527,7 +6418,7 @@
           <p:nvPr/>
         </p:nvPicPr>
         <p:blipFill rotWithShape="1">
-          <a:blip r:embed="rId10">
+          <a:blip r:embed="rId9">
             <a:extLst>
               <a:ext uri="{28A0092B-C50C-407E-A947-70E740481C1C}">
                 <a14:useLocalDpi xmlns:a14="http://schemas.microsoft.com/office/drawing/2010/main" val="0"/>
@@ -6556,7 +6447,7 @@
           <p:nvPr/>
         </p:nvPicPr>
         <p:blipFill rotWithShape="1">
-          <a:blip r:embed="rId11">
+          <a:blip r:embed="rId10">
             <a:extLst>
               <a:ext uri="{28A0092B-C50C-407E-A947-70E740481C1C}">
                 <a14:useLocalDpi xmlns:a14="http://schemas.microsoft.com/office/drawing/2010/main" val="0"/>
@@ -6646,7 +6537,7 @@
               </a:spcBef>
             </a:pPr>
             <a:r>
-              <a:rPr lang="en-US" sz="3200" dirty="0" err="1" smtClean="0">
+              <a:rPr lang="en-US" sz="3200" dirty="0" err="1">
                 <a:solidFill>
                   <a:schemeClr val="accent4">
                     <a:lumMod val="50000"/>
@@ -6656,7 +6547,7 @@
               <a:t>Chandar</a:t>
             </a:r>
             <a:r>
-              <a:rPr lang="en-US" sz="3200" dirty="0" smtClean="0">
+              <a:rPr lang="en-US" sz="3200" dirty="0">
                 <a:solidFill>
                   <a:schemeClr val="accent4">
                     <a:lumMod val="50000"/>
@@ -6665,13 +6556,6 @@
               </a:rPr>
               <a:t> et al region IDs</a:t>
             </a:r>
-            <a:endParaRPr lang="en-US" sz="3200" dirty="0">
-              <a:solidFill>
-                <a:schemeClr val="accent4">
-                  <a:lumMod val="50000"/>
-                </a:schemeClr>
-              </a:solidFill>
-            </a:endParaRPr>
           </a:p>
         </p:txBody>
       </p:sp>
@@ -6706,71 +6590,122 @@
           <a:effectLst/>
         </p:spPr>
       </p:cxnSp>
-      <p:sp>
-        <p:nvSpPr>
-          <p:cNvPr id="50" name="Parallelogram 49"/>
-          <p:cNvSpPr/>
+      <p:grpSp>
+        <p:nvGrpSpPr>
+          <p:cNvPr id="3" name="Group 2">
+            <a:extLst>
+              <a:ext uri="{FF2B5EF4-FFF2-40B4-BE49-F238E27FC236}">
+                <a16:creationId xmlns:a16="http://schemas.microsoft.com/office/drawing/2014/main" id="{2B8FC42E-AEDB-4C14-B6EE-28F0250858D8}"/>
+              </a:ext>
+            </a:extLst>
+          </p:cNvPr>
+          <p:cNvGrpSpPr/>
           <p:nvPr/>
-        </p:nvSpPr>
-        <p:spPr bwMode="auto">
-          <a:xfrm rot="5645401">
-            <a:off x="22861080" y="7908434"/>
-            <a:ext cx="4610476" cy="3539720"/>
+        </p:nvGrpSpPr>
+        <p:grpSpPr>
+          <a:xfrm>
+            <a:off x="20137119" y="7197278"/>
+            <a:ext cx="10058400" cy="6546342"/>
+            <a:chOff x="20137119" y="7197278"/>
+            <a:chExt cx="10058400" cy="6546342"/>
           </a:xfrm>
-          <a:prstGeom prst="parallelogram">
-            <a:avLst>
-              <a:gd name="adj" fmla="val 13793"/>
-            </a:avLst>
-          </a:prstGeom>
-          <a:noFill/>
-          <a:ln w="47625" cap="flat" cmpd="sng" algn="ctr">
-            <a:solidFill>
-              <a:srgbClr val="FFC000"/>
-            </a:solidFill>
-            <a:prstDash val="solid"/>
-            <a:round/>
-            <a:headEnd type="none" w="med" len="med"/>
-            <a:tailEnd type="triangle" w="lg" len="med"/>
-          </a:ln>
-          <a:effectLst/>
-        </p:spPr>
-        <p:txBody>
-          <a:bodyPr vert="horz" wrap="square" lIns="91440" tIns="45720" rIns="91440" bIns="45720" numCol="1" rtlCol="0" anchor="t" anchorCtr="0" compatLnSpc="1">
-            <a:prstTxWarp prst="textNoShape">
+        </p:grpSpPr>
+        <p:pic>
+          <p:nvPicPr>
+            <p:cNvPr id="4" name="Picture 3"/>
+            <p:cNvPicPr>
+              <a:picLocks noChangeAspect="1"/>
+            </p:cNvPicPr>
+            <p:nvPr/>
+          </p:nvPicPr>
+          <p:blipFill>
+            <a:blip r:embed="rId11">
+              <a:extLst>
+                <a:ext uri="{28A0092B-C50C-407E-A947-70E740481C1C}">
+                  <a14:useLocalDpi xmlns:a14="http://schemas.microsoft.com/office/drawing/2010/main" val="0"/>
+                </a:ext>
+              </a:extLst>
+            </a:blip>
+            <a:stretch>
+              <a:fillRect/>
+            </a:stretch>
+          </p:blipFill>
+          <p:spPr>
+            <a:xfrm>
+              <a:off x="20137119" y="7197278"/>
+              <a:ext cx="10058400" cy="6546342"/>
+            </a:xfrm>
+            <a:prstGeom prst="rect">
               <a:avLst/>
-            </a:prstTxWarp>
-          </a:bodyPr>
-          <a:lstStyle/>
-          <a:p>
-            <a:pPr marL="0" marR="0" indent="0" algn="l" defTabSz="914400" rtl="0" eaLnBrk="0" fontAlgn="base" latinLnBrk="0" hangingPunct="0">
-              <a:lnSpc>
-                <a:spcPct val="100000"/>
-              </a:lnSpc>
-              <a:spcBef>
-                <a:spcPct val="0"/>
-              </a:spcBef>
-              <a:spcAft>
-                <a:spcPct val="0"/>
-              </a:spcAft>
-              <a:buClrTx/>
-              <a:buSzTx/>
-              <a:buFontTx/>
-              <a:buNone/>
-              <a:tabLst/>
-            </a:pPr>
-            <a:endParaRPr kumimoji="0" lang="en-US" sz="4000" b="0" i="0" u="none" strike="noStrike" cap="none" normalizeH="0" baseline="0">
-              <a:ln>
-                <a:noFill/>
-              </a:ln>
+            </a:prstGeom>
+          </p:spPr>
+        </p:pic>
+        <p:sp>
+          <p:nvSpPr>
+            <p:cNvPr id="50" name="Parallelogram 49"/>
+            <p:cNvSpPr/>
+            <p:nvPr/>
+          </p:nvSpPr>
+          <p:spPr bwMode="auto">
+            <a:xfrm rot="5645401">
+              <a:off x="22861080" y="7908434"/>
+              <a:ext cx="4610476" cy="3539720"/>
+            </a:xfrm>
+            <a:prstGeom prst="parallelogram">
+              <a:avLst>
+                <a:gd name="adj" fmla="val 13793"/>
+              </a:avLst>
+            </a:prstGeom>
+            <a:noFill/>
+            <a:ln w="47625" cap="flat" cmpd="sng" algn="ctr">
               <a:solidFill>
-                <a:schemeClr val="bg2"/>
+                <a:srgbClr val="FFC000"/>
               </a:solidFill>
-              <a:effectLst/>
-              <a:latin typeface="Tahoma" pitchFamily="-65" charset="0"/>
-            </a:endParaRPr>
-          </a:p>
-        </p:txBody>
-      </p:sp>
+              <a:prstDash val="solid"/>
+              <a:round/>
+              <a:headEnd type="none" w="med" len="med"/>
+              <a:tailEnd type="triangle" w="lg" len="med"/>
+            </a:ln>
+            <a:effectLst/>
+          </p:spPr>
+          <p:txBody>
+            <a:bodyPr vert="horz" wrap="square" lIns="91440" tIns="45720" rIns="91440" bIns="45720" numCol="1" rtlCol="0" anchor="t" anchorCtr="0" compatLnSpc="1">
+              <a:prstTxWarp prst="textNoShape">
+                <a:avLst/>
+              </a:prstTxWarp>
+            </a:bodyPr>
+            <a:lstStyle/>
+            <a:p>
+              <a:pPr marL="0" marR="0" indent="0" algn="l" defTabSz="914400" rtl="0" eaLnBrk="0" fontAlgn="base" latinLnBrk="0" hangingPunct="0">
+                <a:lnSpc>
+                  <a:spcPct val="100000"/>
+                </a:lnSpc>
+                <a:spcBef>
+                  <a:spcPct val="0"/>
+                </a:spcBef>
+                <a:spcAft>
+                  <a:spcPct val="0"/>
+                </a:spcAft>
+                <a:buClrTx/>
+                <a:buSzTx/>
+                <a:buFontTx/>
+                <a:buNone/>
+                <a:tabLst/>
+              </a:pPr>
+              <a:endParaRPr kumimoji="0" lang="en-US" sz="4000" b="0" i="0" u="none" strike="noStrike" cap="none" normalizeH="0" baseline="0">
+                <a:ln>
+                  <a:noFill/>
+                </a:ln>
+                <a:solidFill>
+                  <a:schemeClr val="bg2"/>
+                </a:solidFill>
+                <a:effectLst/>
+                <a:latin typeface="Tahoma" pitchFamily="-65" charset="0"/>
+              </a:endParaRPr>
+            </a:p>
+          </p:txBody>
+        </p:sp>
+      </p:grpSp>
       <p:cxnSp>
         <p:nvCxnSpPr>
           <p:cNvPr id="62" name="Straight Arrow Connector 61"/>
@@ -6900,7 +6835,7 @@
               </a:spcBef>
             </a:pPr>
             <a:r>
-              <a:rPr lang="en-US" sz="2800" b="1" dirty="0" smtClean="0">
+              <a:rPr lang="en-US" sz="2800" b="1" dirty="0">
                 <a:solidFill>
                   <a:schemeClr val="bg2">
                     <a:lumMod val="95000"/>
@@ -6910,14 +6845,6 @@
               </a:rPr>
               <a:t>U-B</a:t>
             </a:r>
-            <a:endParaRPr lang="en-US" sz="2800" b="1" dirty="0">
-              <a:solidFill>
-                <a:schemeClr val="bg2">
-                  <a:lumMod val="95000"/>
-                  <a:lumOff val="5000"/>
-                </a:schemeClr>
-              </a:solidFill>
-            </a:endParaRPr>
           </a:p>
         </p:txBody>
       </p:sp>
